--- a/doc/教学课件/拓展知识/项目开发常用软件.pptx
+++ b/doc/教学课件/拓展知识/项目开发常用软件.pptx
@@ -5,15 +5,16 @@
     <p:sldMasterId id="2147483648" r:id="rId1"/>
   </p:sldMasterIdLst>
   <p:sldIdLst>
-    <p:sldId id="256" r:id="rId2"/>
+    <p:sldId id="265" r:id="rId2"/>
     <p:sldId id="257" r:id="rId3"/>
-    <p:sldId id="258" r:id="rId4"/>
-    <p:sldId id="261" r:id="rId5"/>
-    <p:sldId id="260" r:id="rId6"/>
-    <p:sldId id="259" r:id="rId7"/>
-    <p:sldId id="264" r:id="rId8"/>
-    <p:sldId id="262" r:id="rId9"/>
-    <p:sldId id="263" r:id="rId10"/>
+    <p:sldId id="267" r:id="rId4"/>
+    <p:sldId id="258" r:id="rId5"/>
+    <p:sldId id="261" r:id="rId6"/>
+    <p:sldId id="260" r:id="rId7"/>
+    <p:sldId id="259" r:id="rId8"/>
+    <p:sldId id="264" r:id="rId9"/>
+    <p:sldId id="262" r:id="rId10"/>
+    <p:sldId id="263" r:id="rId11"/>
   </p:sldIdLst>
   <p:sldSz cx="12192000" cy="6858000"/>
   <p:notesSz cx="6858000" cy="9144000"/>
@@ -278,7 +279,7 @@
           <a:p>
             <a:fld id="{F65B811B-E3B4-42AF-946D-EBB340E40D27}" type="datetimeFigureOut">
               <a:rPr lang="zh-CN" altLang="en-US" smtClean="0"/>
-              <a:t>2018/8/29</a:t>
+              <a:t>2018/9/2</a:t>
             </a:fld>
             <a:endParaRPr lang="zh-CN" altLang="en-US"/>
           </a:p>
@@ -476,7 +477,7 @@
           <a:p>
             <a:fld id="{F65B811B-E3B4-42AF-946D-EBB340E40D27}" type="datetimeFigureOut">
               <a:rPr lang="zh-CN" altLang="en-US" smtClean="0"/>
-              <a:t>2018/8/29</a:t>
+              <a:t>2018/9/2</a:t>
             </a:fld>
             <a:endParaRPr lang="zh-CN" altLang="en-US"/>
           </a:p>
@@ -684,7 +685,7 @@
           <a:p>
             <a:fld id="{F65B811B-E3B4-42AF-946D-EBB340E40D27}" type="datetimeFigureOut">
               <a:rPr lang="zh-CN" altLang="en-US" smtClean="0"/>
-              <a:t>2018/8/29</a:t>
+              <a:t>2018/9/2</a:t>
             </a:fld>
             <a:endParaRPr lang="zh-CN" altLang="en-US"/>
           </a:p>
@@ -882,7 +883,7 @@
           <a:p>
             <a:fld id="{F65B811B-E3B4-42AF-946D-EBB340E40D27}" type="datetimeFigureOut">
               <a:rPr lang="zh-CN" altLang="en-US" smtClean="0"/>
-              <a:t>2018/8/29</a:t>
+              <a:t>2018/9/2</a:t>
             </a:fld>
             <a:endParaRPr lang="zh-CN" altLang="en-US"/>
           </a:p>
@@ -1157,7 +1158,7 @@
           <a:p>
             <a:fld id="{F65B811B-E3B4-42AF-946D-EBB340E40D27}" type="datetimeFigureOut">
               <a:rPr lang="zh-CN" altLang="en-US" smtClean="0"/>
-              <a:t>2018/8/29</a:t>
+              <a:t>2018/9/2</a:t>
             </a:fld>
             <a:endParaRPr lang="zh-CN" altLang="en-US"/>
           </a:p>
@@ -1422,7 +1423,7 @@
           <a:p>
             <a:fld id="{F65B811B-E3B4-42AF-946D-EBB340E40D27}" type="datetimeFigureOut">
               <a:rPr lang="zh-CN" altLang="en-US" smtClean="0"/>
-              <a:t>2018/8/29</a:t>
+              <a:t>2018/9/2</a:t>
             </a:fld>
             <a:endParaRPr lang="zh-CN" altLang="en-US"/>
           </a:p>
@@ -1834,7 +1835,7 @@
           <a:p>
             <a:fld id="{F65B811B-E3B4-42AF-946D-EBB340E40D27}" type="datetimeFigureOut">
               <a:rPr lang="zh-CN" altLang="en-US" smtClean="0"/>
-              <a:t>2018/8/29</a:t>
+              <a:t>2018/9/2</a:t>
             </a:fld>
             <a:endParaRPr lang="zh-CN" altLang="en-US"/>
           </a:p>
@@ -1975,7 +1976,7 @@
           <a:p>
             <a:fld id="{F65B811B-E3B4-42AF-946D-EBB340E40D27}" type="datetimeFigureOut">
               <a:rPr lang="zh-CN" altLang="en-US" smtClean="0"/>
-              <a:t>2018/8/29</a:t>
+              <a:t>2018/9/2</a:t>
             </a:fld>
             <a:endParaRPr lang="zh-CN" altLang="en-US"/>
           </a:p>
@@ -2088,7 +2089,7 @@
           <a:p>
             <a:fld id="{F65B811B-E3B4-42AF-946D-EBB340E40D27}" type="datetimeFigureOut">
               <a:rPr lang="zh-CN" altLang="en-US" smtClean="0"/>
-              <a:t>2018/8/29</a:t>
+              <a:t>2018/9/2</a:t>
             </a:fld>
             <a:endParaRPr lang="zh-CN" altLang="en-US"/>
           </a:p>
@@ -2399,7 +2400,7 @@
           <a:p>
             <a:fld id="{F65B811B-E3B4-42AF-946D-EBB340E40D27}" type="datetimeFigureOut">
               <a:rPr lang="zh-CN" altLang="en-US" smtClean="0"/>
-              <a:t>2018/8/29</a:t>
+              <a:t>2018/9/2</a:t>
             </a:fld>
             <a:endParaRPr lang="zh-CN" altLang="en-US"/>
           </a:p>
@@ -2687,7 +2688,7 @@
           <a:p>
             <a:fld id="{F65B811B-E3B4-42AF-946D-EBB340E40D27}" type="datetimeFigureOut">
               <a:rPr lang="zh-CN" altLang="en-US" smtClean="0"/>
-              <a:t>2018/8/29</a:t>
+              <a:t>2018/9/2</a:t>
             </a:fld>
             <a:endParaRPr lang="zh-CN" altLang="en-US"/>
           </a:p>
@@ -2928,7 +2929,7 @@
           <a:p>
             <a:fld id="{F65B811B-E3B4-42AF-946D-EBB340E40D27}" type="datetimeFigureOut">
               <a:rPr lang="zh-CN" altLang="en-US" smtClean="0"/>
-              <a:t>2018/8/29</a:t>
+              <a:t>2018/9/2</a:t>
             </a:fld>
             <a:endParaRPr lang="zh-CN" altLang="en-US"/>
           </a:p>
@@ -3331,14 +3332,6 @@
 <file path=ppt/slides/slide1.xml><?xml version="1.0" encoding="utf-8"?>
 <p:sld xmlns:a="http://schemas.openxmlformats.org/drawingml/2006/main" xmlns:r="http://schemas.openxmlformats.org/officeDocument/2006/relationships" xmlns:p="http://schemas.openxmlformats.org/presentationml/2006/main">
   <p:cSld>
-    <p:bg>
-      <p:bgPr>
-        <a:solidFill>
-          <a:schemeClr val="bg1"/>
-        </a:solidFill>
-        <a:effectLst/>
-      </p:bgPr>
-    </p:bg>
     <p:spTree>
       <p:nvGrpSpPr>
         <p:cNvPr id="1" name=""/>
@@ -3444,7 +3437,7 @@
         <p:spPr>
           <a:xfrm>
             <a:off x="7130737" y="3710272"/>
-            <a:ext cx="2218877" cy="584775"/>
+            <a:ext cx="2337499" cy="584775"/>
           </a:xfrm>
           <a:prstGeom prst="rect">
             <a:avLst/>
@@ -3495,7 +3488,7 @@
         <p:spPr>
           <a:xfrm>
             <a:off x="9589842" y="5988532"/>
-            <a:ext cx="1813317" cy="369332"/>
+            <a:ext cx="1838965" cy="369332"/>
           </a:xfrm>
           <a:prstGeom prst="rect">
             <a:avLst/>
@@ -3572,10 +3565,51 @@
           </a:p>
         </p:txBody>
       </p:sp>
+      <p:sp>
+        <p:nvSpPr>
+          <p:cNvPr id="7" name="文本框 6">
+            <a:extLst>
+              <a:ext uri="{FF2B5EF4-FFF2-40B4-BE49-F238E27FC236}">
+                <a16:creationId xmlns:a16="http://schemas.microsoft.com/office/drawing/2014/main" id="{90B52241-5857-4D3F-B68F-5C776E63CDA9}"/>
+              </a:ext>
+            </a:extLst>
+          </p:cNvPr>
+          <p:cNvSpPr txBox="1"/>
+          <p:nvPr/>
+        </p:nvSpPr>
+        <p:spPr>
+          <a:xfrm>
+            <a:off x="10057919" y="5619200"/>
+            <a:ext cx="877163" cy="369332"/>
+          </a:xfrm>
+          <a:prstGeom prst="rect">
+            <a:avLst/>
+          </a:prstGeom>
+          <a:noFill/>
+        </p:spPr>
+        <p:txBody>
+          <a:bodyPr wrap="none" rtlCol="0">
+            <a:spAutoFit/>
+          </a:bodyPr>
+          <a:lstStyle/>
+          <a:p>
+            <a:r>
+              <a:rPr lang="zh-CN" altLang="en-US" dirty="0">
+                <a:solidFill>
+                  <a:schemeClr val="bg1"/>
+                </a:solidFill>
+                <a:cs typeface="+mn-ea"/>
+                <a:sym typeface="+mn-lt"/>
+              </a:rPr>
+              <a:t>杨新瑞</a:t>
+            </a:r>
+          </a:p>
+        </p:txBody>
+      </p:sp>
     </p:spTree>
     <p:extLst>
       <p:ext uri="{BB962C8B-B14F-4D97-AF65-F5344CB8AC3E}">
-        <p14:creationId xmlns:p14="http://schemas.microsoft.com/office/powerpoint/2010/main" val="2263519990"/>
+        <p14:creationId xmlns:p14="http://schemas.microsoft.com/office/powerpoint/2010/main" val="2463828716"/>
       </p:ext>
     </p:extLst>
   </p:cSld>
@@ -3585,111 +3619,7 @@
 </p:sld>
 </file>
 
-<file path=ppt/slides/slide2.xml><?xml version="1.0" encoding="utf-8"?>
-<p:sld xmlns:a="http://schemas.openxmlformats.org/drawingml/2006/main" xmlns:r="http://schemas.openxmlformats.org/officeDocument/2006/relationships" xmlns:p="http://schemas.openxmlformats.org/presentationml/2006/main">
-  <p:cSld>
-    <p:spTree>
-      <p:nvGrpSpPr>
-        <p:cNvPr id="1" name=""/>
-        <p:cNvGrpSpPr/>
-        <p:nvPr/>
-      </p:nvGrpSpPr>
-      <p:grpSpPr>
-        <a:xfrm>
-          <a:off x="0" y="0"/>
-          <a:ext cx="0" cy="0"/>
-          <a:chOff x="0" y="0"/>
-          <a:chExt cx="0" cy="0"/>
-        </a:xfrm>
-      </p:grpSpPr>
-      <p:pic>
-        <p:nvPicPr>
-          <p:cNvPr id="5" name="图片 4">
-            <a:extLst>
-              <a:ext uri="{FF2B5EF4-FFF2-40B4-BE49-F238E27FC236}">
-                <a16:creationId xmlns:a16="http://schemas.microsoft.com/office/drawing/2014/main" id="{FFBC54D9-EE7D-4F07-8427-DCC6BB637B01}"/>
-              </a:ext>
-            </a:extLst>
-          </p:cNvPr>
-          <p:cNvPicPr>
-            <a:picLocks noChangeAspect="1"/>
-          </p:cNvPicPr>
-          <p:nvPr/>
-        </p:nvPicPr>
-        <p:blipFill rotWithShape="1">
-          <a:blip r:embed="rId2">
-            <a:extLst>
-              <a:ext uri="{28A0092B-C50C-407E-A947-70E740481C1C}">
-                <a14:useLocalDpi xmlns:a14="http://schemas.microsoft.com/office/drawing/2010/main" val="0"/>
-              </a:ext>
-            </a:extLst>
-          </a:blip>
-          <a:srcRect l="1084" r="26027"/>
-          <a:stretch/>
-        </p:blipFill>
-        <p:spPr>
-          <a:xfrm>
-            <a:off x="20" y="10"/>
-            <a:ext cx="12191980" cy="6857990"/>
-          </a:xfrm>
-          <a:prstGeom prst="rect">
-            <a:avLst/>
-          </a:prstGeom>
-        </p:spPr>
-      </p:pic>
-      <p:sp>
-        <p:nvSpPr>
-          <p:cNvPr id="2" name="文本框 1">
-            <a:extLst>
-              <a:ext uri="{FF2B5EF4-FFF2-40B4-BE49-F238E27FC236}">
-                <a16:creationId xmlns:a16="http://schemas.microsoft.com/office/drawing/2014/main" id="{69A647C1-82D3-45B2-AF38-0D9D0BCC1F06}"/>
-              </a:ext>
-            </a:extLst>
-          </p:cNvPr>
-          <p:cNvSpPr txBox="1"/>
-          <p:nvPr/>
-        </p:nvSpPr>
-        <p:spPr>
-          <a:xfrm>
-            <a:off x="3951823" y="3075057"/>
-            <a:ext cx="4288353" cy="707886"/>
-          </a:xfrm>
-          <a:prstGeom prst="rect">
-            <a:avLst/>
-          </a:prstGeom>
-          <a:noFill/>
-        </p:spPr>
-        <p:txBody>
-          <a:bodyPr wrap="none" rtlCol="0">
-            <a:spAutoFit/>
-          </a:bodyPr>
-          <a:lstStyle/>
-          <a:p>
-            <a:r>
-              <a:rPr lang="zh-CN" altLang="en-US" sz="4000" dirty="0">
-                <a:solidFill>
-                  <a:schemeClr val="bg1"/>
-                </a:solidFill>
-              </a:rPr>
-              <a:t>项目开发常用软件</a:t>
-            </a:r>
-          </a:p>
-        </p:txBody>
-      </p:sp>
-    </p:spTree>
-    <p:extLst>
-      <p:ext uri="{BB962C8B-B14F-4D97-AF65-F5344CB8AC3E}">
-        <p14:creationId xmlns:p14="http://schemas.microsoft.com/office/powerpoint/2010/main" val="2092321477"/>
-      </p:ext>
-    </p:extLst>
-  </p:cSld>
-  <p:clrMapOvr>
-    <a:masterClrMapping/>
-  </p:clrMapOvr>
-</p:sld>
-</file>
-
-<file path=ppt/slides/slide3.xml><?xml version="1.0" encoding="utf-8"?>
+<file path=ppt/slides/slide10.xml><?xml version="1.0" encoding="utf-8"?>
 <p:sld xmlns:a="http://schemas.openxmlformats.org/drawingml/2006/main" xmlns:r="http://schemas.openxmlformats.org/officeDocument/2006/relationships" xmlns:p="http://schemas.openxmlformats.org/presentationml/2006/main">
   <p:cSld>
     <p:bg>
@@ -3716,10 +3646,10 @@
       </p:grpSpPr>
       <p:pic>
         <p:nvPicPr>
-          <p:cNvPr id="5" name="图片 4">
-            <a:extLst>
-              <a:ext uri="{FF2B5EF4-FFF2-40B4-BE49-F238E27FC236}">
-                <a16:creationId xmlns:a16="http://schemas.microsoft.com/office/drawing/2014/main" id="{FFBC54D9-EE7D-4F07-8427-DCC6BB637B01}"/>
+          <p:cNvPr id="2" name="图片 1">
+            <a:extLst>
+              <a:ext uri="{FF2B5EF4-FFF2-40B4-BE49-F238E27FC236}">
+                <a16:creationId xmlns:a16="http://schemas.microsoft.com/office/drawing/2014/main" id="{7C3256FD-5B1E-417C-AE12-81C6EC2090AF}"/>
               </a:ext>
             </a:extLst>
           </p:cNvPr>
@@ -3729,14 +3659,8 @@
           <p:nvPr/>
         </p:nvPicPr>
         <p:blipFill rotWithShape="1">
-          <a:blip r:embed="rId2">
-            <a:extLst>
-              <a:ext uri="{28A0092B-C50C-407E-A947-70E740481C1C}">
-                <a14:useLocalDpi xmlns:a14="http://schemas.microsoft.com/office/drawing/2010/main" val="0"/>
-              </a:ext>
-            </a:extLst>
-          </a:blip>
-          <a:srcRect l="10223" r="35166" b="-1"/>
+          <a:blip r:embed="rId2"/>
+          <a:srcRect l="9818" r="17924"/>
           <a:stretch/>
         </p:blipFill>
         <p:spPr>
@@ -3802,10 +3726,10 @@
       </p:pic>
       <p:pic>
         <p:nvPicPr>
-          <p:cNvPr id="3" name="图片 2">
-            <a:extLst>
-              <a:ext uri="{FF2B5EF4-FFF2-40B4-BE49-F238E27FC236}">
-                <a16:creationId xmlns:a16="http://schemas.microsoft.com/office/drawing/2014/main" id="{08A87CCD-D823-415B-B8E7-1039BAAE3F2F}"/>
+          <p:cNvPr id="5" name="图片 4">
+            <a:extLst>
+              <a:ext uri="{FF2B5EF4-FFF2-40B4-BE49-F238E27FC236}">
+                <a16:creationId xmlns:a16="http://schemas.microsoft.com/office/drawing/2014/main" id="{FFBC54D9-EE7D-4F07-8427-DCC6BB637B01}"/>
               </a:ext>
             </a:extLst>
           </p:cNvPr>
@@ -3815,8 +3739,14 @@
           <p:nvPr/>
         </p:nvPicPr>
         <p:blipFill rotWithShape="1">
-          <a:blip r:embed="rId3"/>
-          <a:srcRect l="19728" r="24925" b="2"/>
+          <a:blip r:embed="rId3">
+            <a:extLst>
+              <a:ext uri="{28A0092B-C50C-407E-A947-70E740481C1C}">
+                <a14:useLocalDpi xmlns:a14="http://schemas.microsoft.com/office/drawing/2010/main" val="0"/>
+              </a:ext>
+            </a:extLst>
+          </a:blip>
+          <a:srcRect l="18378" r="43321" b="-1"/>
           <a:stretch/>
         </p:blipFill>
         <p:spPr>
@@ -3890,10 +3820,10 @@
       </p:pic>
       <p:sp>
         <p:nvSpPr>
-          <p:cNvPr id="4" name="文本框 3">
-            <a:extLst>
-              <a:ext uri="{FF2B5EF4-FFF2-40B4-BE49-F238E27FC236}">
-                <a16:creationId xmlns:a16="http://schemas.microsoft.com/office/drawing/2014/main" id="{9CE3DAF1-7228-446C-B84B-654BCEECD744}"/>
+          <p:cNvPr id="3" name="文本框 2">
+            <a:extLst>
+              <a:ext uri="{FF2B5EF4-FFF2-40B4-BE49-F238E27FC236}">
+                <a16:creationId xmlns:a16="http://schemas.microsoft.com/office/drawing/2014/main" id="{887BEA4B-4BEF-4F95-B8A9-5CFC3C689142}"/>
               </a:ext>
             </a:extLst>
           </p:cNvPr>
@@ -3902,8 +3832,8 @@
         </p:nvSpPr>
         <p:spPr>
           <a:xfrm>
-            <a:off x="922788" y="3682767"/>
-            <a:ext cx="5109091" cy="830997"/>
+            <a:off x="8883942" y="2625754"/>
+            <a:ext cx="2431050" cy="707886"/>
           </a:xfrm>
           <a:prstGeom prst="rect">
             <a:avLst/>
@@ -3917,50 +3847,31 @@
           <a:lstStyle/>
           <a:p>
             <a:r>
-              <a:rPr lang="zh-CN" altLang="en-US" sz="2400" dirty="0">
+              <a:rPr lang="en-US" altLang="zh-CN" sz="4000" dirty="0">
                 <a:solidFill>
                   <a:schemeClr val="bg1"/>
                 </a:solidFill>
+                <a:cs typeface="+mn-ea"/>
+                <a:sym typeface="+mn-lt"/>
               </a:rPr>
-              <a:t>适用于学生、开源和个人开发人员的</a:t>
-            </a:r>
-            <a:endParaRPr lang="en-US" altLang="zh-CN" sz="2400" dirty="0">
+              <a:t>OneNote</a:t>
+            </a:r>
+            <a:endParaRPr lang="zh-CN" altLang="en-US" sz="4000" dirty="0">
               <a:solidFill>
                 <a:schemeClr val="bg1"/>
               </a:solidFill>
+              <a:cs typeface="+mn-ea"/>
+              <a:sym typeface="+mn-lt"/>
             </a:endParaRPr>
           </a:p>
-          <a:p>
-            <a:r>
-              <a:rPr lang="zh-CN" altLang="en-US" sz="2400" dirty="0">
-                <a:solidFill>
-                  <a:schemeClr val="bg1"/>
-                </a:solidFill>
-              </a:rPr>
-              <a:t>功能完备的免费 </a:t>
-            </a:r>
-            <a:r>
-              <a:rPr lang="en-US" altLang="zh-CN" sz="2400" dirty="0">
-                <a:solidFill>
-                  <a:schemeClr val="bg1"/>
-                </a:solidFill>
-              </a:rPr>
-              <a:t>IDE</a:t>
-            </a:r>
-            <a:endParaRPr lang="zh-CN" altLang="en-US" sz="2400" dirty="0">
-              <a:solidFill>
-                <a:schemeClr val="bg1"/>
-              </a:solidFill>
-            </a:endParaRPr>
-          </a:p>
-        </p:txBody>
-      </p:sp>
-      <p:sp>
-        <p:nvSpPr>
-          <p:cNvPr id="6" name="文本框 5">
-            <a:extLst>
-              <a:ext uri="{FF2B5EF4-FFF2-40B4-BE49-F238E27FC236}">
-                <a16:creationId xmlns:a16="http://schemas.microsoft.com/office/drawing/2014/main" id="{BE9DAA8A-B5AF-4558-BCA4-A26E7FDB62AB}"/>
+        </p:txBody>
+      </p:sp>
+      <p:sp>
+        <p:nvSpPr>
+          <p:cNvPr id="4" name="文本框 3">
+            <a:extLst>
+              <a:ext uri="{FF2B5EF4-FFF2-40B4-BE49-F238E27FC236}">
+                <a16:creationId xmlns:a16="http://schemas.microsoft.com/office/drawing/2014/main" id="{71D4B2D2-ECC9-47DB-A698-0022644A8286}"/>
               </a:ext>
             </a:extLst>
           </p:cNvPr>
@@ -3969,8 +3880,8 @@
         </p:nvSpPr>
         <p:spPr>
           <a:xfrm>
-            <a:off x="830510" y="2841727"/>
-            <a:ext cx="5781326" cy="584775"/>
+            <a:off x="8751041" y="3708322"/>
+            <a:ext cx="3262432" cy="1015663"/>
           </a:xfrm>
           <a:prstGeom prst="rect">
             <a:avLst/>
@@ -3984,28 +3895,72 @@
           <a:lstStyle/>
           <a:p>
             <a:r>
-              <a:rPr lang="en-US" altLang="zh-CN" sz="3200" dirty="0">
+              <a:rPr lang="zh-CN" altLang="en-US" sz="2000" dirty="0">
                 <a:solidFill>
                   <a:schemeClr val="bg1"/>
                 </a:solidFill>
+                <a:cs typeface="+mn-ea"/>
+                <a:sym typeface="+mn-lt"/>
               </a:rPr>
-              <a:t>Visual Studio Community</a:t>
-            </a:r>
-            <a:r>
-              <a:rPr lang="zh-CN" altLang="en-US" sz="3200" dirty="0">
+              <a:t>微软</a:t>
+            </a:r>
+            <a:r>
+              <a:rPr lang="en-US" altLang="zh-CN" sz="2000" dirty="0">
                 <a:solidFill>
                   <a:schemeClr val="bg1"/>
                 </a:solidFill>
+                <a:cs typeface="+mn-ea"/>
+                <a:sym typeface="+mn-lt"/>
               </a:rPr>
-              <a:t> </a:t>
-            </a:r>
-            <a:r>
-              <a:rPr lang="en-US" altLang="zh-CN" sz="3200" dirty="0">
+              <a:t>Office</a:t>
+            </a:r>
+            <a:r>
+              <a:rPr lang="zh-CN" altLang="en-US" sz="2000" dirty="0">
                 <a:solidFill>
                   <a:schemeClr val="bg1"/>
                 </a:solidFill>
+                <a:cs typeface="+mn-ea"/>
+                <a:sym typeface="+mn-lt"/>
               </a:rPr>
-              <a:t>2017</a:t>
+              <a:t>之一，</a:t>
+            </a:r>
+            <a:endParaRPr lang="en-US" altLang="zh-CN" sz="2000" dirty="0">
+              <a:solidFill>
+                <a:schemeClr val="bg1"/>
+              </a:solidFill>
+              <a:cs typeface="+mn-ea"/>
+              <a:sym typeface="+mn-lt"/>
+            </a:endParaRPr>
+          </a:p>
+          <a:p>
+            <a:r>
+              <a:rPr lang="zh-CN" altLang="en-US" sz="2000" dirty="0">
+                <a:solidFill>
+                  <a:schemeClr val="bg1"/>
+                </a:solidFill>
+                <a:cs typeface="+mn-ea"/>
+                <a:sym typeface="+mn-lt"/>
+              </a:rPr>
+              <a:t>功能强大的笔记软件，</a:t>
+            </a:r>
+            <a:endParaRPr lang="en-US" altLang="zh-CN" sz="2000" dirty="0">
+              <a:solidFill>
+                <a:schemeClr val="bg1"/>
+              </a:solidFill>
+              <a:cs typeface="+mn-ea"/>
+              <a:sym typeface="+mn-lt"/>
+            </a:endParaRPr>
+          </a:p>
+          <a:p>
+            <a:r>
+              <a:rPr lang="zh-CN" altLang="en-US" sz="2000" dirty="0">
+                <a:solidFill>
+                  <a:schemeClr val="bg1"/>
+                </a:solidFill>
+                <a:cs typeface="+mn-ea"/>
+                <a:sym typeface="+mn-lt"/>
+              </a:rPr>
+              <a:t>可自动同步笔记到微软账户</a:t>
             </a:r>
           </a:p>
         </p:txBody>
@@ -4013,7 +3968,7 @@
     </p:spTree>
     <p:extLst>
       <p:ext uri="{BB962C8B-B14F-4D97-AF65-F5344CB8AC3E}">
-        <p14:creationId xmlns:p14="http://schemas.microsoft.com/office/powerpoint/2010/main" val="1175332745"/>
+        <p14:creationId xmlns:p14="http://schemas.microsoft.com/office/powerpoint/2010/main" val="4183398326"/>
       </p:ext>
     </p:extLst>
   </p:cSld>
@@ -4023,17 +3978,9 @@
 </p:sld>
 </file>
 
-<file path=ppt/slides/slide4.xml><?xml version="1.0" encoding="utf-8"?>
+<file path=ppt/slides/slide2.xml><?xml version="1.0" encoding="utf-8"?>
 <p:sld xmlns:a="http://schemas.openxmlformats.org/drawingml/2006/main" xmlns:r="http://schemas.openxmlformats.org/officeDocument/2006/relationships" xmlns:p="http://schemas.openxmlformats.org/presentationml/2006/main">
   <p:cSld>
-    <p:bg>
-      <p:bgPr>
-        <a:solidFill>
-          <a:schemeClr val="bg1"/>
-        </a:solidFill>
-        <a:effectLst/>
-      </p:bgPr>
-    </p:bg>
     <p:spTree>
       <p:nvGrpSpPr>
         <p:cNvPr id="1" name=""/>
@@ -4050,10 +3997,10 @@
       </p:grpSpPr>
       <p:pic>
         <p:nvPicPr>
-          <p:cNvPr id="2" name="图片 1">
-            <a:extLst>
-              <a:ext uri="{FF2B5EF4-FFF2-40B4-BE49-F238E27FC236}">
-                <a16:creationId xmlns:a16="http://schemas.microsoft.com/office/drawing/2014/main" id="{BFB94171-714C-4EAB-BEFE-9AFC4BB47DF9}"/>
+          <p:cNvPr id="5" name="图片 4">
+            <a:extLst>
+              <a:ext uri="{FF2B5EF4-FFF2-40B4-BE49-F238E27FC236}">
+                <a16:creationId xmlns:a16="http://schemas.microsoft.com/office/drawing/2014/main" id="{FFBC54D9-EE7D-4F07-8427-DCC6BB637B01}"/>
               </a:ext>
             </a:extLst>
           </p:cNvPr>
@@ -4063,61 +4010,32 @@
           <p:nvPr/>
         </p:nvPicPr>
         <p:blipFill rotWithShape="1">
-          <a:blip r:embed="rId2"/>
-          <a:srcRect r="42445" b="1"/>
+          <a:blip r:embed="rId2">
+            <a:extLst>
+              <a:ext uri="{28A0092B-C50C-407E-A947-70E740481C1C}">
+                <a14:useLocalDpi xmlns:a14="http://schemas.microsoft.com/office/drawing/2010/main" val="0"/>
+              </a:ext>
+            </a:extLst>
+          </a:blip>
+          <a:srcRect l="1084" r="26027"/>
           <a:stretch/>
         </p:blipFill>
         <p:spPr>
           <a:xfrm>
             <a:off x="20" y="10"/>
-            <a:ext cx="6095980" cy="6857990"/>
+            <a:ext cx="12191980" cy="6857990"/>
           </a:xfrm>
           <a:prstGeom prst="rect">
             <a:avLst/>
           </a:prstGeom>
         </p:spPr>
       </p:pic>
-      <p:pic>
-        <p:nvPicPr>
-          <p:cNvPr id="5" name="图片 4">
-            <a:extLst>
-              <a:ext uri="{FF2B5EF4-FFF2-40B4-BE49-F238E27FC236}">
-                <a16:creationId xmlns:a16="http://schemas.microsoft.com/office/drawing/2014/main" id="{FFBC54D9-EE7D-4F07-8427-DCC6BB637B01}"/>
-              </a:ext>
-            </a:extLst>
-          </p:cNvPr>
-          <p:cNvPicPr>
-            <a:picLocks noChangeAspect="1"/>
-          </p:cNvPicPr>
-          <p:nvPr/>
-        </p:nvPicPr>
-        <p:blipFill rotWithShape="1">
-          <a:blip r:embed="rId3">
-            <a:extLst>
-              <a:ext uri="{28A0092B-C50C-407E-A947-70E740481C1C}">
-                <a14:useLocalDpi xmlns:a14="http://schemas.microsoft.com/office/drawing/2010/main" val="0"/>
-              </a:ext>
-            </a:extLst>
-          </a:blip>
-          <a:srcRect l="19306" r="44250"/>
-          <a:stretch/>
-        </p:blipFill>
-        <p:spPr>
-          <a:xfrm>
-            <a:off x="6096000" y="10"/>
-            <a:ext cx="6096000" cy="6857990"/>
-          </a:xfrm>
-          <a:prstGeom prst="rect">
-            <a:avLst/>
-          </a:prstGeom>
-        </p:spPr>
-      </p:pic>
-      <p:sp>
-        <p:nvSpPr>
-          <p:cNvPr id="3" name="文本框 2">
-            <a:extLst>
-              <a:ext uri="{FF2B5EF4-FFF2-40B4-BE49-F238E27FC236}">
-                <a16:creationId xmlns:a16="http://schemas.microsoft.com/office/drawing/2014/main" id="{F63B015B-0A3C-456A-824F-971597F55E09}"/>
+      <p:sp>
+        <p:nvSpPr>
+          <p:cNvPr id="2" name="文本框 1">
+            <a:extLst>
+              <a:ext uri="{FF2B5EF4-FFF2-40B4-BE49-F238E27FC236}">
+                <a16:creationId xmlns:a16="http://schemas.microsoft.com/office/drawing/2014/main" id="{69A647C1-82D3-45B2-AF38-0D9D0BCC1F06}"/>
               </a:ext>
             </a:extLst>
           </p:cNvPr>
@@ -4126,8 +4044,8 @@
         </p:nvSpPr>
         <p:spPr>
           <a:xfrm>
-            <a:off x="7910329" y="2782669"/>
-            <a:ext cx="2467342" cy="646331"/>
+            <a:off x="3541454" y="3013501"/>
+            <a:ext cx="5109091" cy="830997"/>
           </a:xfrm>
           <a:prstGeom prst="rect">
             <a:avLst/>
@@ -4141,101 +4059,14 @@
           <a:lstStyle/>
           <a:p>
             <a:r>
-              <a:rPr lang="en-US" altLang="zh-CN" sz="3600" dirty="0">
+              <a:rPr lang="zh-CN" altLang="en-US" sz="4800" dirty="0">
                 <a:solidFill>
                   <a:schemeClr val="bg1"/>
                 </a:solidFill>
+                <a:cs typeface="+mn-ea"/>
+                <a:sym typeface="+mn-lt"/>
               </a:rPr>
-              <a:t>Notepad++</a:t>
-            </a:r>
-            <a:endParaRPr lang="zh-CN" altLang="en-US" sz="3600" dirty="0">
-              <a:solidFill>
-                <a:schemeClr val="bg1"/>
-              </a:solidFill>
-            </a:endParaRPr>
-          </a:p>
-        </p:txBody>
-      </p:sp>
-      <p:sp>
-        <p:nvSpPr>
-          <p:cNvPr id="4" name="文本框 3">
-            <a:extLst>
-              <a:ext uri="{FF2B5EF4-FFF2-40B4-BE49-F238E27FC236}">
-                <a16:creationId xmlns:a16="http://schemas.microsoft.com/office/drawing/2014/main" id="{7651C254-601E-49B5-95DC-021FE262C4BB}"/>
-              </a:ext>
-            </a:extLst>
-          </p:cNvPr>
-          <p:cNvSpPr txBox="1"/>
-          <p:nvPr/>
-        </p:nvSpPr>
-        <p:spPr>
-          <a:xfrm>
-            <a:off x="6435566" y="3763835"/>
-            <a:ext cx="5724644" cy="1569660"/>
-          </a:xfrm>
-          <a:prstGeom prst="rect">
-            <a:avLst/>
-          </a:prstGeom>
-          <a:noFill/>
-        </p:spPr>
-        <p:txBody>
-          <a:bodyPr wrap="none" rtlCol="0">
-            <a:spAutoFit/>
-          </a:bodyPr>
-          <a:lstStyle/>
-          <a:p>
-            <a:r>
-              <a:rPr lang="zh-CN" altLang="en-US" sz="2400" dirty="0">
-                <a:solidFill>
-                  <a:schemeClr val="bg1"/>
-                </a:solidFill>
-              </a:rPr>
-              <a:t>一款功能强大的文本编辑器，</a:t>
-            </a:r>
-            <a:endParaRPr lang="en-US" altLang="zh-CN" sz="2400" dirty="0">
-              <a:solidFill>
-                <a:schemeClr val="bg1"/>
-              </a:solidFill>
-            </a:endParaRPr>
-          </a:p>
-          <a:p>
-            <a:r>
-              <a:rPr lang="zh-CN" altLang="en-US" sz="2400" dirty="0">
-                <a:solidFill>
-                  <a:schemeClr val="bg1"/>
-                </a:solidFill>
-              </a:rPr>
-              <a:t>支持多种编程语言的代码高亮提示，</a:t>
-            </a:r>
-            <a:endParaRPr lang="en-US" altLang="zh-CN" sz="2400" dirty="0">
-              <a:solidFill>
-                <a:schemeClr val="bg1"/>
-              </a:solidFill>
-            </a:endParaRPr>
-          </a:p>
-          <a:p>
-            <a:r>
-              <a:rPr lang="zh-CN" altLang="en-US" sz="2400" dirty="0">
-                <a:solidFill>
-                  <a:schemeClr val="bg1"/>
-                </a:solidFill>
-              </a:rPr>
-              <a:t>非常适合于代码文件的快速阅读与编辑，</a:t>
-            </a:r>
-            <a:endParaRPr lang="en-US" altLang="zh-CN" sz="2400" dirty="0">
-              <a:solidFill>
-                <a:schemeClr val="bg1"/>
-              </a:solidFill>
-            </a:endParaRPr>
-          </a:p>
-          <a:p>
-            <a:r>
-              <a:rPr lang="zh-CN" altLang="en-US" sz="2400" dirty="0">
-                <a:solidFill>
-                  <a:schemeClr val="bg1"/>
-                </a:solidFill>
-              </a:rPr>
-              <a:t>可打开多种格式的文件</a:t>
+              <a:t>项目开发常用软件</a:t>
             </a:r>
           </a:p>
         </p:txBody>
@@ -4243,7 +4074,7 @@
     </p:spTree>
     <p:extLst>
       <p:ext uri="{BB962C8B-B14F-4D97-AF65-F5344CB8AC3E}">
-        <p14:creationId xmlns:p14="http://schemas.microsoft.com/office/powerpoint/2010/main" val="1806926180"/>
+        <p14:creationId xmlns:p14="http://schemas.microsoft.com/office/powerpoint/2010/main" val="2092321477"/>
       </p:ext>
     </p:extLst>
   </p:cSld>
@@ -4253,7 +4084,162 @@
 </p:sld>
 </file>
 
-<file path=ppt/slides/slide5.xml><?xml version="1.0" encoding="utf-8"?>
+<file path=ppt/slides/slide3.xml><?xml version="1.0" encoding="utf-8"?>
+<p:sld xmlns:a="http://schemas.openxmlformats.org/drawingml/2006/main" xmlns:r="http://schemas.openxmlformats.org/officeDocument/2006/relationships" xmlns:p="http://schemas.openxmlformats.org/presentationml/2006/main">
+  <p:cSld>
+    <p:spTree>
+      <p:nvGrpSpPr>
+        <p:cNvPr id="1" name=""/>
+        <p:cNvGrpSpPr/>
+        <p:nvPr/>
+      </p:nvGrpSpPr>
+      <p:grpSpPr>
+        <a:xfrm>
+          <a:off x="0" y="0"/>
+          <a:ext cx="0" cy="0"/>
+          <a:chOff x="0" y="0"/>
+          <a:chExt cx="0" cy="0"/>
+        </a:xfrm>
+      </p:grpSpPr>
+      <p:pic>
+        <p:nvPicPr>
+          <p:cNvPr id="5" name="图片 4">
+            <a:extLst>
+              <a:ext uri="{FF2B5EF4-FFF2-40B4-BE49-F238E27FC236}">
+                <a16:creationId xmlns:a16="http://schemas.microsoft.com/office/drawing/2014/main" id="{FFBC54D9-EE7D-4F07-8427-DCC6BB637B01}"/>
+              </a:ext>
+            </a:extLst>
+          </p:cNvPr>
+          <p:cNvPicPr>
+            <a:picLocks noChangeAspect="1"/>
+          </p:cNvPicPr>
+          <p:nvPr/>
+        </p:nvPicPr>
+        <p:blipFill rotWithShape="1">
+          <a:blip r:embed="rId2">
+            <a:extLst>
+              <a:ext uri="{28A0092B-C50C-407E-A947-70E740481C1C}">
+                <a14:useLocalDpi xmlns:a14="http://schemas.microsoft.com/office/drawing/2010/main" val="0"/>
+              </a:ext>
+            </a:extLst>
+          </a:blip>
+          <a:srcRect l="1084" r="26027"/>
+          <a:stretch/>
+        </p:blipFill>
+        <p:spPr>
+          <a:xfrm>
+            <a:off x="20" y="10"/>
+            <a:ext cx="12191980" cy="6857990"/>
+          </a:xfrm>
+          <a:prstGeom prst="rect">
+            <a:avLst/>
+          </a:prstGeom>
+        </p:spPr>
+      </p:pic>
+      <p:sp>
+        <p:nvSpPr>
+          <p:cNvPr id="2" name="文本框 1">
+            <a:extLst>
+              <a:ext uri="{FF2B5EF4-FFF2-40B4-BE49-F238E27FC236}">
+                <a16:creationId xmlns:a16="http://schemas.microsoft.com/office/drawing/2014/main" id="{65ED092F-0C78-4C4E-B903-66F2A54A8AAF}"/>
+              </a:ext>
+            </a:extLst>
+          </p:cNvPr>
+          <p:cNvSpPr txBox="1"/>
+          <p:nvPr/>
+        </p:nvSpPr>
+        <p:spPr>
+          <a:xfrm>
+            <a:off x="716946" y="1948645"/>
+            <a:ext cx="2852063" cy="830997"/>
+          </a:xfrm>
+          <a:prstGeom prst="rect">
+            <a:avLst/>
+          </a:prstGeom>
+          <a:noFill/>
+        </p:spPr>
+        <p:txBody>
+          <a:bodyPr wrap="none" rtlCol="0">
+            <a:spAutoFit/>
+          </a:bodyPr>
+          <a:lstStyle/>
+          <a:p>
+            <a:r>
+              <a:rPr lang="zh-CN" altLang="en-US" sz="4000" dirty="0">
+                <a:solidFill>
+                  <a:schemeClr val="bg1"/>
+                </a:solidFill>
+                <a:cs typeface="+mn-ea"/>
+                <a:sym typeface="+mn-lt"/>
+              </a:rPr>
+              <a:t>主要内容</a:t>
+            </a:r>
+            <a:r>
+              <a:rPr lang="zh-CN" altLang="en-US" sz="4800" dirty="0">
+                <a:solidFill>
+                  <a:schemeClr val="bg1"/>
+                </a:solidFill>
+                <a:cs typeface="+mn-ea"/>
+                <a:sym typeface="+mn-lt"/>
+              </a:rPr>
+              <a:t>：</a:t>
+            </a:r>
+          </a:p>
+        </p:txBody>
+      </p:sp>
+      <p:sp>
+        <p:nvSpPr>
+          <p:cNvPr id="3" name="文本框 2">
+            <a:extLst>
+              <a:ext uri="{FF2B5EF4-FFF2-40B4-BE49-F238E27FC236}">
+                <a16:creationId xmlns:a16="http://schemas.microsoft.com/office/drawing/2014/main" id="{B31626BC-1838-4AF2-8745-CE8A1E97F6D7}"/>
+              </a:ext>
+            </a:extLst>
+          </p:cNvPr>
+          <p:cNvSpPr txBox="1"/>
+          <p:nvPr/>
+        </p:nvSpPr>
+        <p:spPr>
+          <a:xfrm>
+            <a:off x="2105164" y="3136612"/>
+            <a:ext cx="7981672" cy="584775"/>
+          </a:xfrm>
+          <a:prstGeom prst="rect">
+            <a:avLst/>
+          </a:prstGeom>
+          <a:noFill/>
+        </p:spPr>
+        <p:txBody>
+          <a:bodyPr wrap="none" rtlCol="0">
+            <a:spAutoFit/>
+          </a:bodyPr>
+          <a:lstStyle/>
+          <a:p>
+            <a:r>
+              <a:rPr lang="zh-CN" altLang="en-US" sz="3200" dirty="0">
+                <a:solidFill>
+                  <a:schemeClr val="bg1"/>
+                </a:solidFill>
+              </a:rPr>
+              <a:t>本节将介绍几款编程常用的实用工具、软件</a:t>
+            </a:r>
+          </a:p>
+        </p:txBody>
+      </p:sp>
+    </p:spTree>
+    <p:extLst>
+      <p:ext uri="{BB962C8B-B14F-4D97-AF65-F5344CB8AC3E}">
+        <p14:creationId xmlns:p14="http://schemas.microsoft.com/office/powerpoint/2010/main" val="886013986"/>
+      </p:ext>
+    </p:extLst>
+  </p:cSld>
+  <p:clrMapOvr>
+    <a:masterClrMapping/>
+  </p:clrMapOvr>
+</p:sld>
+</file>
+
+<file path=ppt/slides/slide4.xml><?xml version="1.0" encoding="utf-8"?>
 <p:sld xmlns:a="http://schemas.openxmlformats.org/drawingml/2006/main" xmlns:r="http://schemas.openxmlformats.org/officeDocument/2006/relationships" xmlns:p="http://schemas.openxmlformats.org/presentationml/2006/main">
   <p:cSld>
     <p:bg>
@@ -4369,7 +4355,7 @@
           <p:cNvPr id="3" name="图片 2">
             <a:extLst>
               <a:ext uri="{FF2B5EF4-FFF2-40B4-BE49-F238E27FC236}">
-                <a16:creationId xmlns:a16="http://schemas.microsoft.com/office/drawing/2014/main" id="{44CB163D-6B8D-494E-B05F-8F30372493E6}"/>
+                <a16:creationId xmlns:a16="http://schemas.microsoft.com/office/drawing/2014/main" id="{08A87CCD-D823-415B-B8E7-1039BAAE3F2F}"/>
               </a:ext>
             </a:extLst>
           </p:cNvPr>
@@ -4380,7 +4366,7 @@
         </p:nvPicPr>
         <p:blipFill rotWithShape="1">
           <a:blip r:embed="rId3"/>
-          <a:srcRect l="20832" r="-1" b="-1"/>
+          <a:srcRect l="19728" r="24925" b="2"/>
           <a:stretch/>
         </p:blipFill>
         <p:spPr>
@@ -4457,7 +4443,7 @@
           <p:cNvPr id="4" name="文本框 3">
             <a:extLst>
               <a:ext uri="{FF2B5EF4-FFF2-40B4-BE49-F238E27FC236}">
-                <a16:creationId xmlns:a16="http://schemas.microsoft.com/office/drawing/2014/main" id="{9DC76DE5-A2D0-44D4-A417-317FE5B96214}"/>
+                <a16:creationId xmlns:a16="http://schemas.microsoft.com/office/drawing/2014/main" id="{9CE3DAF1-7228-446C-B84B-654BCEECD744}"/>
               </a:ext>
             </a:extLst>
           </p:cNvPr>
@@ -4466,8 +4452,8 @@
         </p:nvSpPr>
         <p:spPr>
           <a:xfrm>
-            <a:off x="1711354" y="2841727"/>
-            <a:ext cx="3738524" cy="584775"/>
+            <a:off x="922788" y="3682767"/>
+            <a:ext cx="5109091" cy="830997"/>
           </a:xfrm>
           <a:prstGeom prst="rect">
             <a:avLst/>
@@ -4481,31 +4467,223 @@
           <a:lstStyle/>
           <a:p>
             <a:r>
+              <a:rPr lang="zh-CN" altLang="en-US" sz="2400" dirty="0">
+                <a:solidFill>
+                  <a:schemeClr val="bg1"/>
+                </a:solidFill>
+                <a:cs typeface="+mn-ea"/>
+                <a:sym typeface="+mn-lt"/>
+              </a:rPr>
+              <a:t>适用于学生、开源和个人开发人员的</a:t>
+            </a:r>
+            <a:endParaRPr lang="en-US" altLang="zh-CN" sz="2400" dirty="0">
+              <a:solidFill>
+                <a:schemeClr val="bg1"/>
+              </a:solidFill>
+              <a:cs typeface="+mn-ea"/>
+              <a:sym typeface="+mn-lt"/>
+            </a:endParaRPr>
+          </a:p>
+          <a:p>
+            <a:r>
+              <a:rPr lang="zh-CN" altLang="en-US" sz="2400" dirty="0">
+                <a:solidFill>
+                  <a:schemeClr val="bg1"/>
+                </a:solidFill>
+                <a:cs typeface="+mn-ea"/>
+                <a:sym typeface="+mn-lt"/>
+              </a:rPr>
+              <a:t>功能完备的免费 </a:t>
+            </a:r>
+            <a:r>
+              <a:rPr lang="en-US" altLang="zh-CN" sz="2400" dirty="0">
+                <a:solidFill>
+                  <a:schemeClr val="bg1"/>
+                </a:solidFill>
+                <a:cs typeface="+mn-ea"/>
+                <a:sym typeface="+mn-lt"/>
+              </a:rPr>
+              <a:t>IDE</a:t>
+            </a:r>
+            <a:endParaRPr lang="zh-CN" altLang="en-US" sz="2400" dirty="0">
+              <a:solidFill>
+                <a:schemeClr val="bg1"/>
+              </a:solidFill>
+              <a:cs typeface="+mn-ea"/>
+              <a:sym typeface="+mn-lt"/>
+            </a:endParaRPr>
+          </a:p>
+        </p:txBody>
+      </p:sp>
+      <p:sp>
+        <p:nvSpPr>
+          <p:cNvPr id="6" name="文本框 5">
+            <a:extLst>
+              <a:ext uri="{FF2B5EF4-FFF2-40B4-BE49-F238E27FC236}">
+                <a16:creationId xmlns:a16="http://schemas.microsoft.com/office/drawing/2014/main" id="{BE9DAA8A-B5AF-4558-BCA4-A26E7FDB62AB}"/>
+              </a:ext>
+            </a:extLst>
+          </p:cNvPr>
+          <p:cNvSpPr txBox="1"/>
+          <p:nvPr/>
+        </p:nvSpPr>
+        <p:spPr>
+          <a:xfrm>
+            <a:off x="830510" y="2841727"/>
+            <a:ext cx="6231386" cy="584775"/>
+          </a:xfrm>
+          <a:prstGeom prst="rect">
+            <a:avLst/>
+          </a:prstGeom>
+          <a:noFill/>
+        </p:spPr>
+        <p:txBody>
+          <a:bodyPr wrap="none" rtlCol="0">
+            <a:spAutoFit/>
+          </a:bodyPr>
+          <a:lstStyle/>
+          <a:p>
+            <a:r>
               <a:rPr lang="en-US" altLang="zh-CN" sz="3200" dirty="0">
                 <a:solidFill>
                   <a:schemeClr val="bg1"/>
                 </a:solidFill>
-                <a:latin typeface="+mj-ea"/>
-                <a:ea typeface="+mj-ea"/>
+                <a:cs typeface="+mn-ea"/>
+                <a:sym typeface="+mn-lt"/>
               </a:rPr>
-              <a:t>Diagram Designer</a:t>
-            </a:r>
-            <a:endParaRPr lang="zh-CN" altLang="en-US" sz="3200" dirty="0">
-              <a:solidFill>
-                <a:schemeClr val="bg1"/>
-              </a:solidFill>
-              <a:latin typeface="+mj-ea"/>
-              <a:ea typeface="+mj-ea"/>
-            </a:endParaRPr>
-          </a:p>
-        </p:txBody>
-      </p:sp>
-      <p:sp>
-        <p:nvSpPr>
-          <p:cNvPr id="6" name="文本框 5">
-            <a:extLst>
-              <a:ext uri="{FF2B5EF4-FFF2-40B4-BE49-F238E27FC236}">
-                <a16:creationId xmlns:a16="http://schemas.microsoft.com/office/drawing/2014/main" id="{FE08DFB1-0482-4925-93C1-4A66E55AB6F9}"/>
+              <a:t>Visual Studio Community</a:t>
+            </a:r>
+            <a:r>
+              <a:rPr lang="zh-CN" altLang="en-US" sz="3200" dirty="0">
+                <a:solidFill>
+                  <a:schemeClr val="bg1"/>
+                </a:solidFill>
+                <a:cs typeface="+mn-ea"/>
+                <a:sym typeface="+mn-lt"/>
+              </a:rPr>
+              <a:t> </a:t>
+            </a:r>
+            <a:r>
+              <a:rPr lang="en-US" altLang="zh-CN" sz="3200" dirty="0">
+                <a:solidFill>
+                  <a:schemeClr val="bg1"/>
+                </a:solidFill>
+                <a:cs typeface="+mn-ea"/>
+                <a:sym typeface="+mn-lt"/>
+              </a:rPr>
+              <a:t>2017</a:t>
+            </a:r>
+          </a:p>
+        </p:txBody>
+      </p:sp>
+    </p:spTree>
+    <p:extLst>
+      <p:ext uri="{BB962C8B-B14F-4D97-AF65-F5344CB8AC3E}">
+        <p14:creationId xmlns:p14="http://schemas.microsoft.com/office/powerpoint/2010/main" val="1175332745"/>
+      </p:ext>
+    </p:extLst>
+  </p:cSld>
+  <p:clrMapOvr>
+    <a:masterClrMapping/>
+  </p:clrMapOvr>
+</p:sld>
+</file>
+
+<file path=ppt/slides/slide5.xml><?xml version="1.0" encoding="utf-8"?>
+<p:sld xmlns:a="http://schemas.openxmlformats.org/drawingml/2006/main" xmlns:r="http://schemas.openxmlformats.org/officeDocument/2006/relationships" xmlns:p="http://schemas.openxmlformats.org/presentationml/2006/main">
+  <p:cSld>
+    <p:bg>
+      <p:bgPr>
+        <a:solidFill>
+          <a:schemeClr val="bg1"/>
+        </a:solidFill>
+        <a:effectLst/>
+      </p:bgPr>
+    </p:bg>
+    <p:spTree>
+      <p:nvGrpSpPr>
+        <p:cNvPr id="1" name=""/>
+        <p:cNvGrpSpPr/>
+        <p:nvPr/>
+      </p:nvGrpSpPr>
+      <p:grpSpPr>
+        <a:xfrm>
+          <a:off x="0" y="0"/>
+          <a:ext cx="0" cy="0"/>
+          <a:chOff x="0" y="0"/>
+          <a:chExt cx="0" cy="0"/>
+        </a:xfrm>
+      </p:grpSpPr>
+      <p:pic>
+        <p:nvPicPr>
+          <p:cNvPr id="2" name="图片 1">
+            <a:extLst>
+              <a:ext uri="{FF2B5EF4-FFF2-40B4-BE49-F238E27FC236}">
+                <a16:creationId xmlns:a16="http://schemas.microsoft.com/office/drawing/2014/main" id="{BFB94171-714C-4EAB-BEFE-9AFC4BB47DF9}"/>
+              </a:ext>
+            </a:extLst>
+          </p:cNvPr>
+          <p:cNvPicPr>
+            <a:picLocks noChangeAspect="1"/>
+          </p:cNvPicPr>
+          <p:nvPr/>
+        </p:nvPicPr>
+        <p:blipFill rotWithShape="1">
+          <a:blip r:embed="rId2"/>
+          <a:srcRect r="42445" b="1"/>
+          <a:stretch/>
+        </p:blipFill>
+        <p:spPr>
+          <a:xfrm>
+            <a:off x="20" y="10"/>
+            <a:ext cx="6095980" cy="6857990"/>
+          </a:xfrm>
+          <a:prstGeom prst="rect">
+            <a:avLst/>
+          </a:prstGeom>
+        </p:spPr>
+      </p:pic>
+      <p:pic>
+        <p:nvPicPr>
+          <p:cNvPr id="5" name="图片 4">
+            <a:extLst>
+              <a:ext uri="{FF2B5EF4-FFF2-40B4-BE49-F238E27FC236}">
+                <a16:creationId xmlns:a16="http://schemas.microsoft.com/office/drawing/2014/main" id="{FFBC54D9-EE7D-4F07-8427-DCC6BB637B01}"/>
+              </a:ext>
+            </a:extLst>
+          </p:cNvPr>
+          <p:cNvPicPr>
+            <a:picLocks noChangeAspect="1"/>
+          </p:cNvPicPr>
+          <p:nvPr/>
+        </p:nvPicPr>
+        <p:blipFill rotWithShape="1">
+          <a:blip r:embed="rId3">
+            <a:extLst>
+              <a:ext uri="{28A0092B-C50C-407E-A947-70E740481C1C}">
+                <a14:useLocalDpi xmlns:a14="http://schemas.microsoft.com/office/drawing/2010/main" val="0"/>
+              </a:ext>
+            </a:extLst>
+          </a:blip>
+          <a:srcRect l="19306" r="44250"/>
+          <a:stretch/>
+        </p:blipFill>
+        <p:spPr>
+          <a:xfrm>
+            <a:off x="6096000" y="10"/>
+            <a:ext cx="6096000" cy="6857990"/>
+          </a:xfrm>
+          <a:prstGeom prst="rect">
+            <a:avLst/>
+          </a:prstGeom>
+        </p:spPr>
+      </p:pic>
+      <p:sp>
+        <p:nvSpPr>
+          <p:cNvPr id="3" name="文本框 2">
+            <a:extLst>
+              <a:ext uri="{FF2B5EF4-FFF2-40B4-BE49-F238E27FC236}">
+                <a16:creationId xmlns:a16="http://schemas.microsoft.com/office/drawing/2014/main" id="{F63B015B-0A3C-456A-824F-971597F55E09}"/>
               </a:ext>
             </a:extLst>
           </p:cNvPr>
@@ -4514,8 +4692,8 @@
         </p:nvSpPr>
         <p:spPr>
           <a:xfrm>
-            <a:off x="1333847" y="3816991"/>
-            <a:ext cx="4493538" cy="461665"/>
+            <a:off x="7910329" y="2782669"/>
+            <a:ext cx="2806409" cy="646331"/>
           </a:xfrm>
           <a:prstGeom prst="rect">
             <a:avLst/>
@@ -4529,12 +4707,119 @@
           <a:lstStyle/>
           <a:p>
             <a:r>
+              <a:rPr lang="en-US" altLang="zh-CN" sz="3600" dirty="0">
+                <a:solidFill>
+                  <a:schemeClr val="bg1"/>
+                </a:solidFill>
+                <a:cs typeface="+mn-ea"/>
+                <a:sym typeface="+mn-lt"/>
+              </a:rPr>
+              <a:t>Notepad++</a:t>
+            </a:r>
+            <a:endParaRPr lang="zh-CN" altLang="en-US" sz="3600" dirty="0">
+              <a:solidFill>
+                <a:schemeClr val="bg1"/>
+              </a:solidFill>
+              <a:cs typeface="+mn-ea"/>
+              <a:sym typeface="+mn-lt"/>
+            </a:endParaRPr>
+          </a:p>
+        </p:txBody>
+      </p:sp>
+      <p:sp>
+        <p:nvSpPr>
+          <p:cNvPr id="4" name="文本框 3">
+            <a:extLst>
+              <a:ext uri="{FF2B5EF4-FFF2-40B4-BE49-F238E27FC236}">
+                <a16:creationId xmlns:a16="http://schemas.microsoft.com/office/drawing/2014/main" id="{7651C254-601E-49B5-95DC-021FE262C4BB}"/>
+              </a:ext>
+            </a:extLst>
+          </p:cNvPr>
+          <p:cNvSpPr txBox="1"/>
+          <p:nvPr/>
+        </p:nvSpPr>
+        <p:spPr>
+          <a:xfrm>
+            <a:off x="6435566" y="3763835"/>
+            <a:ext cx="5724644" cy="1569660"/>
+          </a:xfrm>
+          <a:prstGeom prst="rect">
+            <a:avLst/>
+          </a:prstGeom>
+          <a:noFill/>
+        </p:spPr>
+        <p:txBody>
+          <a:bodyPr wrap="none" rtlCol="0">
+            <a:spAutoFit/>
+          </a:bodyPr>
+          <a:lstStyle/>
+          <a:p>
+            <a:r>
               <a:rPr lang="zh-CN" altLang="en-US" sz="2400" dirty="0">
                 <a:solidFill>
                   <a:schemeClr val="bg1"/>
                 </a:solidFill>
+                <a:cs typeface="+mn-ea"/>
+                <a:sym typeface="+mn-lt"/>
               </a:rPr>
-              <a:t>用于程序设计阶段流程图的绘制</a:t>
+              <a:t>一款功能强大的文本编辑器，</a:t>
+            </a:r>
+            <a:endParaRPr lang="en-US" altLang="zh-CN" sz="2400" dirty="0">
+              <a:solidFill>
+                <a:schemeClr val="bg1"/>
+              </a:solidFill>
+              <a:cs typeface="+mn-ea"/>
+              <a:sym typeface="+mn-lt"/>
+            </a:endParaRPr>
+          </a:p>
+          <a:p>
+            <a:r>
+              <a:rPr lang="zh-CN" altLang="en-US" sz="2400" dirty="0">
+                <a:solidFill>
+                  <a:schemeClr val="bg1"/>
+                </a:solidFill>
+                <a:cs typeface="+mn-ea"/>
+                <a:sym typeface="+mn-lt"/>
+              </a:rPr>
+              <a:t>支持多种编程语言的代码高亮提示，</a:t>
+            </a:r>
+            <a:endParaRPr lang="en-US" altLang="zh-CN" sz="2400" dirty="0">
+              <a:solidFill>
+                <a:schemeClr val="bg1"/>
+              </a:solidFill>
+              <a:cs typeface="+mn-ea"/>
+              <a:sym typeface="+mn-lt"/>
+            </a:endParaRPr>
+          </a:p>
+          <a:p>
+            <a:r>
+              <a:rPr lang="zh-CN" altLang="en-US" sz="2400" dirty="0">
+                <a:solidFill>
+                  <a:schemeClr val="bg1"/>
+                </a:solidFill>
+                <a:cs typeface="+mn-ea"/>
+                <a:sym typeface="+mn-lt"/>
+              </a:rPr>
+              <a:t>非常适合于代码文件的快速阅读与编辑，</a:t>
+            </a:r>
+            <a:endParaRPr lang="en-US" altLang="zh-CN" sz="2400" dirty="0">
+              <a:solidFill>
+                <a:schemeClr val="bg1"/>
+              </a:solidFill>
+              <a:cs typeface="+mn-ea"/>
+              <a:sym typeface="+mn-lt"/>
+            </a:endParaRPr>
+          </a:p>
+          <a:p>
+            <a:r>
+              <a:rPr lang="zh-CN" altLang="en-US" sz="2400" dirty="0">
+                <a:solidFill>
+                  <a:schemeClr val="bg1"/>
+                </a:solidFill>
+                <a:cs typeface="+mn-ea"/>
+                <a:sym typeface="+mn-lt"/>
+              </a:rPr>
+              <a:t>可打开多种格式的文件</a:t>
             </a:r>
           </a:p>
         </p:txBody>
@@ -4542,7 +4827,7 @@
     </p:spTree>
     <p:extLst>
       <p:ext uri="{BB962C8B-B14F-4D97-AF65-F5344CB8AC3E}">
-        <p14:creationId xmlns:p14="http://schemas.microsoft.com/office/powerpoint/2010/main" val="2521942731"/>
+        <p14:creationId xmlns:p14="http://schemas.microsoft.com/office/powerpoint/2010/main" val="1806926180"/>
       </p:ext>
     </p:extLst>
   </p:cSld>
@@ -4579,10 +4864,10 @@
       </p:grpSpPr>
       <p:pic>
         <p:nvPicPr>
-          <p:cNvPr id="3" name="图片 2">
-            <a:extLst>
-              <a:ext uri="{FF2B5EF4-FFF2-40B4-BE49-F238E27FC236}">
-                <a16:creationId xmlns:a16="http://schemas.microsoft.com/office/drawing/2014/main" id="{F37594B0-8EC7-4939-A6F6-FBFD72264C9A}"/>
+          <p:cNvPr id="5" name="图片 4">
+            <a:extLst>
+              <a:ext uri="{FF2B5EF4-FFF2-40B4-BE49-F238E27FC236}">
+                <a16:creationId xmlns:a16="http://schemas.microsoft.com/office/drawing/2014/main" id="{FFBC54D9-EE7D-4F07-8427-DCC6BB637B01}"/>
               </a:ext>
             </a:extLst>
           </p:cNvPr>
@@ -4592,263 +4877,14 @@
           <p:nvPr/>
         </p:nvPicPr>
         <p:blipFill rotWithShape="1">
-          <a:blip r:embed="rId2"/>
-          <a:srcRect r="16667"/>
-          <a:stretch/>
-        </p:blipFill>
-        <p:spPr>
-          <a:xfrm>
-            <a:off x="20" y="10"/>
-            <a:ext cx="6095980" cy="6857990"/>
-          </a:xfrm>
-          <a:prstGeom prst="rect">
-            <a:avLst/>
-          </a:prstGeom>
-        </p:spPr>
-      </p:pic>
-      <p:pic>
-        <p:nvPicPr>
-          <p:cNvPr id="5" name="图片 4">
-            <a:extLst>
-              <a:ext uri="{FF2B5EF4-FFF2-40B4-BE49-F238E27FC236}">
-                <a16:creationId xmlns:a16="http://schemas.microsoft.com/office/drawing/2014/main" id="{FFBC54D9-EE7D-4F07-8427-DCC6BB637B01}"/>
-              </a:ext>
-            </a:extLst>
-          </p:cNvPr>
-          <p:cNvPicPr>
-            <a:picLocks noChangeAspect="1"/>
-          </p:cNvPicPr>
-          <p:nvPr/>
-        </p:nvPicPr>
-        <p:blipFill rotWithShape="1">
-          <a:blip r:embed="rId3">
+          <a:blip r:embed="rId2">
             <a:extLst>
               <a:ext uri="{28A0092B-C50C-407E-A947-70E740481C1C}">
                 <a14:useLocalDpi xmlns:a14="http://schemas.microsoft.com/office/drawing/2010/main" val="0"/>
               </a:ext>
             </a:extLst>
           </a:blip>
-          <a:srcRect l="19306" r="44250"/>
-          <a:stretch/>
-        </p:blipFill>
-        <p:spPr>
-          <a:xfrm>
-            <a:off x="6096000" y="10"/>
-            <a:ext cx="6095999" cy="6857990"/>
-          </a:xfrm>
-          <a:prstGeom prst="rect">
-            <a:avLst/>
-          </a:prstGeom>
-        </p:spPr>
-      </p:pic>
-      <p:sp>
-        <p:nvSpPr>
-          <p:cNvPr id="4" name="文本框 3">
-            <a:extLst>
-              <a:ext uri="{FF2B5EF4-FFF2-40B4-BE49-F238E27FC236}">
-                <a16:creationId xmlns:a16="http://schemas.microsoft.com/office/drawing/2014/main" id="{E3A53286-CB68-403B-B9F7-01BCD7A3EA9F}"/>
-              </a:ext>
-            </a:extLst>
-          </p:cNvPr>
-          <p:cNvSpPr txBox="1"/>
-          <p:nvPr/>
-        </p:nvSpPr>
-        <p:spPr>
-          <a:xfrm>
-            <a:off x="8285018" y="2669309"/>
-            <a:ext cx="2497607" cy="584775"/>
-          </a:xfrm>
-          <a:prstGeom prst="rect">
-            <a:avLst/>
-          </a:prstGeom>
-          <a:noFill/>
-        </p:spPr>
-        <p:txBody>
-          <a:bodyPr wrap="none" rtlCol="0">
-            <a:spAutoFit/>
-          </a:bodyPr>
-          <a:lstStyle/>
-          <a:p>
-            <a:r>
-              <a:rPr lang="en-US" altLang="zh-CN" sz="3200" dirty="0">
-                <a:solidFill>
-                  <a:schemeClr val="bg1"/>
-                </a:solidFill>
-                <a:latin typeface="+mj-ea"/>
-                <a:ea typeface="+mj-ea"/>
-              </a:rPr>
-              <a:t>Photo Shop</a:t>
-            </a:r>
-            <a:endParaRPr lang="zh-CN" altLang="en-US" sz="3200" dirty="0">
-              <a:solidFill>
-                <a:schemeClr val="bg1"/>
-              </a:solidFill>
-              <a:latin typeface="+mj-ea"/>
-              <a:ea typeface="+mj-ea"/>
-            </a:endParaRPr>
-          </a:p>
-        </p:txBody>
-      </p:sp>
-      <p:sp>
-        <p:nvSpPr>
-          <p:cNvPr id="6" name="文本框 5">
-            <a:extLst>
-              <a:ext uri="{FF2B5EF4-FFF2-40B4-BE49-F238E27FC236}">
-                <a16:creationId xmlns:a16="http://schemas.microsoft.com/office/drawing/2014/main" id="{AD9E070D-1C30-4E50-ABFC-7F2AB9834799}"/>
-              </a:ext>
-            </a:extLst>
-          </p:cNvPr>
-          <p:cNvSpPr txBox="1"/>
-          <p:nvPr/>
-        </p:nvSpPr>
-        <p:spPr>
-          <a:xfrm>
-            <a:off x="7440940" y="3697193"/>
-            <a:ext cx="4185761" cy="1569660"/>
-          </a:xfrm>
-          <a:prstGeom prst="rect">
-            <a:avLst/>
-          </a:prstGeom>
-          <a:noFill/>
-        </p:spPr>
-        <p:txBody>
-          <a:bodyPr wrap="none" rtlCol="0">
-            <a:spAutoFit/>
-          </a:bodyPr>
-          <a:lstStyle/>
-          <a:p>
-            <a:r>
-              <a:rPr lang="zh-CN" altLang="en-US" sz="2400" dirty="0">
-                <a:solidFill>
-                  <a:schemeClr val="bg1"/>
-                </a:solidFill>
-              </a:rPr>
-              <a:t>前端开发，</a:t>
-            </a:r>
-            <a:r>
-              <a:rPr lang="en-US" altLang="zh-CN" sz="2400" dirty="0">
-                <a:solidFill>
-                  <a:schemeClr val="bg1"/>
-                </a:solidFill>
-              </a:rPr>
-              <a:t>UI</a:t>
-            </a:r>
-            <a:r>
-              <a:rPr lang="zh-CN" altLang="en-US" sz="2400" dirty="0">
-                <a:solidFill>
-                  <a:schemeClr val="bg1"/>
-                </a:solidFill>
-              </a:rPr>
-              <a:t>界面开发，</a:t>
-            </a:r>
-            <a:endParaRPr lang="en-US" altLang="zh-CN" sz="2400" dirty="0">
-              <a:solidFill>
-                <a:schemeClr val="bg1"/>
-              </a:solidFill>
-            </a:endParaRPr>
-          </a:p>
-          <a:p>
-            <a:r>
-              <a:rPr lang="zh-CN" altLang="en-US" sz="2400" dirty="0">
-                <a:solidFill>
-                  <a:schemeClr val="bg1"/>
-                </a:solidFill>
-              </a:rPr>
-              <a:t>个人独立游戏开发</a:t>
-            </a:r>
-            <a:endParaRPr lang="en-US" altLang="zh-CN" sz="2400" dirty="0">
-              <a:solidFill>
-                <a:schemeClr val="bg1"/>
-              </a:solidFill>
-            </a:endParaRPr>
-          </a:p>
-          <a:p>
-            <a:r>
-              <a:rPr lang="zh-CN" altLang="en-US" sz="2400" dirty="0">
-                <a:solidFill>
-                  <a:schemeClr val="bg1"/>
-                </a:solidFill>
-              </a:rPr>
-              <a:t>都经常需要进行图像处理，</a:t>
-            </a:r>
-            <a:endParaRPr lang="en-US" altLang="zh-CN" sz="2400" dirty="0">
-              <a:solidFill>
-                <a:schemeClr val="bg1"/>
-              </a:solidFill>
-            </a:endParaRPr>
-          </a:p>
-          <a:p>
-            <a:r>
-              <a:rPr lang="zh-CN" altLang="en-US" sz="2400" dirty="0">
-                <a:solidFill>
-                  <a:schemeClr val="bg1"/>
-                </a:solidFill>
-              </a:rPr>
-              <a:t>掌握一些简单的抠图技术即可</a:t>
-            </a:r>
-            <a:endParaRPr lang="en-US" altLang="zh-CN" sz="2400" dirty="0">
-              <a:solidFill>
-                <a:schemeClr val="bg1"/>
-              </a:solidFill>
-            </a:endParaRPr>
-          </a:p>
-        </p:txBody>
-      </p:sp>
-    </p:spTree>
-    <p:extLst>
-      <p:ext uri="{BB962C8B-B14F-4D97-AF65-F5344CB8AC3E}">
-        <p14:creationId xmlns:p14="http://schemas.microsoft.com/office/powerpoint/2010/main" val="2394418082"/>
-      </p:ext>
-    </p:extLst>
-  </p:cSld>
-  <p:clrMapOvr>
-    <a:masterClrMapping/>
-  </p:clrMapOvr>
-</p:sld>
-</file>
-
-<file path=ppt/slides/slide7.xml><?xml version="1.0" encoding="utf-8"?>
-<p:sld xmlns:a="http://schemas.openxmlformats.org/drawingml/2006/main" xmlns:r="http://schemas.openxmlformats.org/officeDocument/2006/relationships" xmlns:p="http://schemas.openxmlformats.org/presentationml/2006/main">
-  <p:cSld>
-    <p:bg>
-      <p:bgPr>
-        <a:solidFill>
-          <a:schemeClr val="bg1"/>
-        </a:solidFill>
-        <a:effectLst/>
-      </p:bgPr>
-    </p:bg>
-    <p:spTree>
-      <p:nvGrpSpPr>
-        <p:cNvPr id="1" name=""/>
-        <p:cNvGrpSpPr/>
-        <p:nvPr/>
-      </p:nvGrpSpPr>
-      <p:grpSpPr>
-        <a:xfrm>
-          <a:off x="0" y="0"/>
-          <a:ext cx="0" cy="0"/>
-          <a:chOff x="0" y="0"/>
-          <a:chExt cx="0" cy="0"/>
-        </a:xfrm>
-      </p:grpSpPr>
-      <p:pic>
-        <p:nvPicPr>
-          <p:cNvPr id="2" name="图片 1">
-            <a:extLst>
-              <a:ext uri="{FF2B5EF4-FFF2-40B4-BE49-F238E27FC236}">
-                <a16:creationId xmlns:a16="http://schemas.microsoft.com/office/drawing/2014/main" id="{36ECCA99-6D31-4CAD-A066-B38006F84C38}"/>
-              </a:ext>
-            </a:extLst>
-          </p:cNvPr>
-          <p:cNvPicPr>
-            <a:picLocks noChangeAspect="1"/>
-          </p:cNvPicPr>
-          <p:nvPr/>
-        </p:nvPicPr>
-        <p:blipFill rotWithShape="1">
-          <a:blip r:embed="rId2"/>
-          <a:srcRect r="8098" b="1"/>
+          <a:srcRect l="10223" r="35166" b="-1"/>
           <a:stretch/>
         </p:blipFill>
         <p:spPr>
@@ -4914,10 +4950,10 @@
       </p:pic>
       <p:pic>
         <p:nvPicPr>
-          <p:cNvPr id="5" name="图片 4">
-            <a:extLst>
-              <a:ext uri="{FF2B5EF4-FFF2-40B4-BE49-F238E27FC236}">
-                <a16:creationId xmlns:a16="http://schemas.microsoft.com/office/drawing/2014/main" id="{FFBC54D9-EE7D-4F07-8427-DCC6BB637B01}"/>
+          <p:cNvPr id="3" name="图片 2">
+            <a:extLst>
+              <a:ext uri="{FF2B5EF4-FFF2-40B4-BE49-F238E27FC236}">
+                <a16:creationId xmlns:a16="http://schemas.microsoft.com/office/drawing/2014/main" id="{44CB163D-6B8D-494E-B05F-8F30372493E6}"/>
               </a:ext>
             </a:extLst>
           </p:cNvPr>
@@ -4927,14 +4963,8 @@
           <p:nvPr/>
         </p:nvPicPr>
         <p:blipFill rotWithShape="1">
-          <a:blip r:embed="rId3">
-            <a:extLst>
-              <a:ext uri="{28A0092B-C50C-407E-A947-70E740481C1C}">
-                <a14:useLocalDpi xmlns:a14="http://schemas.microsoft.com/office/drawing/2010/main" val="0"/>
-              </a:ext>
-            </a:extLst>
-          </a:blip>
-          <a:srcRect l="18378" r="43321" b="-1"/>
+          <a:blip r:embed="rId3"/>
+          <a:srcRect l="20832" r="-1" b="-1"/>
           <a:stretch/>
         </p:blipFill>
         <p:spPr>
@@ -5008,10 +5038,10 @@
       </p:pic>
       <p:sp>
         <p:nvSpPr>
-          <p:cNvPr id="3" name="文本框 2">
-            <a:extLst>
-              <a:ext uri="{FF2B5EF4-FFF2-40B4-BE49-F238E27FC236}">
-                <a16:creationId xmlns:a16="http://schemas.microsoft.com/office/drawing/2014/main" id="{B439D460-DFDA-4FE0-8434-FAE1A94800E6}"/>
+          <p:cNvPr id="4" name="文本框 3">
+            <a:extLst>
+              <a:ext uri="{FF2B5EF4-FFF2-40B4-BE49-F238E27FC236}">
+                <a16:creationId xmlns:a16="http://schemas.microsoft.com/office/drawing/2014/main" id="{9DC76DE5-A2D0-44D4-A417-317FE5B96214}"/>
               </a:ext>
             </a:extLst>
           </p:cNvPr>
@@ -5020,8 +5050,8 @@
         </p:nvSpPr>
         <p:spPr>
           <a:xfrm>
-            <a:off x="7994708" y="2721114"/>
-            <a:ext cx="4119589" cy="707886"/>
+            <a:off x="1711354" y="2841727"/>
+            <a:ext cx="3738524" cy="584775"/>
           </a:xfrm>
           <a:prstGeom prst="rect">
             <a:avLst/>
@@ -5035,31 +5065,31 @@
           <a:lstStyle/>
           <a:p>
             <a:r>
-              <a:rPr lang="en-US" altLang="zh-CN" sz="4000" dirty="0">
+              <a:rPr lang="en-US" altLang="zh-CN" sz="3200" dirty="0">
                 <a:solidFill>
                   <a:schemeClr val="bg1"/>
                 </a:solidFill>
-                <a:latin typeface="+mj-ea"/>
-                <a:ea typeface="+mj-ea"/>
+                <a:cs typeface="+mn-ea"/>
+                <a:sym typeface="+mn-lt"/>
               </a:rPr>
-              <a:t>GitHub Desktop</a:t>
-            </a:r>
-            <a:endParaRPr lang="zh-CN" altLang="en-US" sz="4000" dirty="0">
+              <a:t>Diagram Designer</a:t>
+            </a:r>
+            <a:endParaRPr lang="zh-CN" altLang="en-US" sz="3200" dirty="0">
               <a:solidFill>
                 <a:schemeClr val="bg1"/>
               </a:solidFill>
-              <a:latin typeface="+mj-ea"/>
-              <a:ea typeface="+mj-ea"/>
+              <a:cs typeface="+mn-ea"/>
+              <a:sym typeface="+mn-lt"/>
             </a:endParaRPr>
           </a:p>
         </p:txBody>
       </p:sp>
       <p:sp>
         <p:nvSpPr>
-          <p:cNvPr id="4" name="文本框 3">
-            <a:extLst>
-              <a:ext uri="{FF2B5EF4-FFF2-40B4-BE49-F238E27FC236}">
-                <a16:creationId xmlns:a16="http://schemas.microsoft.com/office/drawing/2014/main" id="{1A73A2EF-9429-4B72-BBBF-D90E8663613C}"/>
+          <p:cNvPr id="6" name="文本框 5">
+            <a:extLst>
+              <a:ext uri="{FF2B5EF4-FFF2-40B4-BE49-F238E27FC236}">
+                <a16:creationId xmlns:a16="http://schemas.microsoft.com/office/drawing/2014/main" id="{FE08DFB1-0482-4925-93C1-4A66E55AB6F9}"/>
               </a:ext>
             </a:extLst>
           </p:cNvPr>
@@ -5068,8 +5098,8 @@
         </p:nvSpPr>
         <p:spPr>
           <a:xfrm>
-            <a:off x="8817003" y="3594957"/>
-            <a:ext cx="2954655" cy="923330"/>
+            <a:off x="1333847" y="3816991"/>
+            <a:ext cx="4493538" cy="461665"/>
           </a:xfrm>
           <a:prstGeom prst="rect">
             <a:avLst/>
@@ -5083,66 +5113,14 @@
           <a:lstStyle/>
           <a:p>
             <a:r>
-              <a:rPr lang="en-US" altLang="zh-CN" dirty="0" err="1">
+              <a:rPr lang="zh-CN" altLang="en-US" sz="2400" dirty="0">
                 <a:solidFill>
                   <a:schemeClr val="bg1"/>
                 </a:solidFill>
+                <a:cs typeface="+mn-ea"/>
+                <a:sym typeface="+mn-lt"/>
               </a:rPr>
-              <a:t>github</a:t>
-            </a:r>
-            <a:r>
-              <a:rPr lang="zh-CN" altLang="en-US" dirty="0">
-                <a:solidFill>
-                  <a:schemeClr val="bg1"/>
-                </a:solidFill>
-              </a:rPr>
-              <a:t>的桌面端，</a:t>
-            </a:r>
-            <a:endParaRPr lang="en-US" altLang="zh-CN" dirty="0">
-              <a:solidFill>
-                <a:schemeClr val="bg1"/>
-              </a:solidFill>
-            </a:endParaRPr>
-          </a:p>
-          <a:p>
-            <a:r>
-              <a:rPr lang="zh-CN" altLang="en-US" dirty="0">
-                <a:solidFill>
-                  <a:schemeClr val="bg1"/>
-                </a:solidFill>
-              </a:rPr>
-              <a:t>方便管理本地项目的同步，</a:t>
-            </a:r>
-            <a:endParaRPr lang="en-US" altLang="zh-CN" dirty="0">
-              <a:solidFill>
-                <a:schemeClr val="bg1"/>
-              </a:solidFill>
-            </a:endParaRPr>
-          </a:p>
-          <a:p>
-            <a:r>
-              <a:rPr lang="zh-CN" altLang="en-US" dirty="0">
-                <a:solidFill>
-                  <a:schemeClr val="bg1"/>
-                </a:solidFill>
-              </a:rPr>
-              <a:t>拉取等一系列</a:t>
-            </a:r>
-            <a:r>
-              <a:rPr lang="en-US" altLang="zh-CN" dirty="0">
-                <a:solidFill>
-                  <a:schemeClr val="bg1"/>
-                </a:solidFill>
-              </a:rPr>
-              <a:t>git</a:t>
-            </a:r>
-            <a:r>
-              <a:rPr lang="zh-CN" altLang="en-US" dirty="0">
-                <a:solidFill>
-                  <a:schemeClr val="bg1"/>
-                </a:solidFill>
-              </a:rPr>
-              <a:t>操作</a:t>
+              <a:t>用于程序设计阶段流程图的绘制</a:t>
             </a:r>
           </a:p>
         </p:txBody>
@@ -5150,7 +5128,7 @@
     </p:spTree>
     <p:extLst>
       <p:ext uri="{BB962C8B-B14F-4D97-AF65-F5344CB8AC3E}">
-        <p14:creationId xmlns:p14="http://schemas.microsoft.com/office/powerpoint/2010/main" val="810236465"/>
+        <p14:creationId xmlns:p14="http://schemas.microsoft.com/office/powerpoint/2010/main" val="2521942731"/>
       </p:ext>
     </p:extLst>
   </p:cSld>
@@ -5160,9 +5138,17 @@
 </p:sld>
 </file>
 
-<file path=ppt/slides/slide8.xml><?xml version="1.0" encoding="utf-8"?>
+<file path=ppt/slides/slide7.xml><?xml version="1.0" encoding="utf-8"?>
 <p:sld xmlns:a="http://schemas.openxmlformats.org/drawingml/2006/main" xmlns:r="http://schemas.openxmlformats.org/officeDocument/2006/relationships" xmlns:p="http://schemas.openxmlformats.org/presentationml/2006/main">
   <p:cSld>
+    <p:bg>
+      <p:bgPr>
+        <a:solidFill>
+          <a:schemeClr val="bg1"/>
+        </a:solidFill>
+        <a:effectLst/>
+      </p:bgPr>
+    </p:bg>
     <p:spTree>
       <p:nvGrpSpPr>
         <p:cNvPr id="1" name=""/>
@@ -5179,10 +5165,10 @@
       </p:grpSpPr>
       <p:pic>
         <p:nvPicPr>
-          <p:cNvPr id="5" name="图片 4">
-            <a:extLst>
-              <a:ext uri="{FF2B5EF4-FFF2-40B4-BE49-F238E27FC236}">
-                <a16:creationId xmlns:a16="http://schemas.microsoft.com/office/drawing/2014/main" id="{FFBC54D9-EE7D-4F07-8427-DCC6BB637B01}"/>
+          <p:cNvPr id="3" name="图片 2">
+            <a:extLst>
+              <a:ext uri="{FF2B5EF4-FFF2-40B4-BE49-F238E27FC236}">
+                <a16:creationId xmlns:a16="http://schemas.microsoft.com/office/drawing/2014/main" id="{F37594B0-8EC7-4939-A6F6-FBFD72264C9A}"/>
               </a:ext>
             </a:extLst>
           </p:cNvPr>
@@ -5192,20 +5178,14 @@
           <p:nvPr/>
         </p:nvPicPr>
         <p:blipFill rotWithShape="1">
-          <a:blip r:embed="rId2">
-            <a:extLst>
-              <a:ext uri="{28A0092B-C50C-407E-A947-70E740481C1C}">
-                <a14:useLocalDpi xmlns:a14="http://schemas.microsoft.com/office/drawing/2010/main" val="0"/>
-              </a:ext>
-            </a:extLst>
-          </a:blip>
-          <a:srcRect l="1084" r="26027"/>
+          <a:blip r:embed="rId2"/>
+          <a:srcRect r="16667"/>
           <a:stretch/>
         </p:blipFill>
         <p:spPr>
           <a:xfrm>
             <a:off x="20" y="10"/>
-            <a:ext cx="12191980" cy="6857990"/>
+            <a:ext cx="6095980" cy="6857990"/>
           </a:xfrm>
           <a:prstGeom prst="rect">
             <a:avLst/>
@@ -5214,10 +5194,10 @@
       </p:pic>
       <p:pic>
         <p:nvPicPr>
-          <p:cNvPr id="3" name="图片 2">
-            <a:extLst>
-              <a:ext uri="{FF2B5EF4-FFF2-40B4-BE49-F238E27FC236}">
-                <a16:creationId xmlns:a16="http://schemas.microsoft.com/office/drawing/2014/main" id="{73DF04AC-D657-4775-A838-562642994ED3}"/>
+          <p:cNvPr id="5" name="图片 4">
+            <a:extLst>
+              <a:ext uri="{FF2B5EF4-FFF2-40B4-BE49-F238E27FC236}">
+                <a16:creationId xmlns:a16="http://schemas.microsoft.com/office/drawing/2014/main" id="{FFBC54D9-EE7D-4F07-8427-DCC6BB637B01}"/>
               </a:ext>
             </a:extLst>
           </p:cNvPr>
@@ -5226,16 +5206,21 @@
           </p:cNvPicPr>
           <p:nvPr/>
         </p:nvPicPr>
-        <p:blipFill>
-          <a:blip r:embed="rId3"/>
-          <a:stretch>
-            <a:fillRect/>
-          </a:stretch>
+        <p:blipFill rotWithShape="1">
+          <a:blip r:embed="rId3">
+            <a:extLst>
+              <a:ext uri="{28A0092B-C50C-407E-A947-70E740481C1C}">
+                <a14:useLocalDpi xmlns:a14="http://schemas.microsoft.com/office/drawing/2010/main" val="0"/>
+              </a:ext>
+            </a:extLst>
+          </a:blip>
+          <a:srcRect l="19306" r="44250"/>
+          <a:stretch/>
         </p:blipFill>
         <p:spPr>
           <a:xfrm>
-            <a:off x="-20" y="2791030"/>
-            <a:ext cx="12192000" cy="4066960"/>
+            <a:off x="6096000" y="10"/>
+            <a:ext cx="6095999" cy="6857990"/>
           </a:xfrm>
           <a:prstGeom prst="rect">
             <a:avLst/>
@@ -5247,7 +5232,7 @@
           <p:cNvPr id="4" name="文本框 3">
             <a:extLst>
               <a:ext uri="{FF2B5EF4-FFF2-40B4-BE49-F238E27FC236}">
-                <a16:creationId xmlns:a16="http://schemas.microsoft.com/office/drawing/2014/main" id="{35C3B228-2E1A-4B15-BECA-68F0C0B15647}"/>
+                <a16:creationId xmlns:a16="http://schemas.microsoft.com/office/drawing/2014/main" id="{E3A53286-CB68-403B-B9F7-01BCD7A3EA9F}"/>
               </a:ext>
             </a:extLst>
           </p:cNvPr>
@@ -5256,8 +5241,8 @@
         </p:nvSpPr>
         <p:spPr>
           <a:xfrm>
-            <a:off x="4977724" y="787867"/>
-            <a:ext cx="2236510" cy="707886"/>
+            <a:off x="8285018" y="2669309"/>
+            <a:ext cx="2497607" cy="584775"/>
           </a:xfrm>
           <a:prstGeom prst="rect">
             <a:avLst/>
@@ -5271,13 +5256,22 @@
           <a:lstStyle/>
           <a:p>
             <a:r>
-              <a:rPr lang="zh-CN" altLang="en-US" sz="4000" dirty="0">
+              <a:rPr lang="en-US" altLang="zh-CN" sz="3200" dirty="0">
                 <a:solidFill>
                   <a:schemeClr val="bg1"/>
                 </a:solidFill>
+                <a:cs typeface="+mn-ea"/>
+                <a:sym typeface="+mn-lt"/>
               </a:rPr>
-              <a:t>谷歌翻译</a:t>
-            </a:r>
+              <a:t>Photo Shop</a:t>
+            </a:r>
+            <a:endParaRPr lang="zh-CN" altLang="en-US" sz="3200" dirty="0">
+              <a:solidFill>
+                <a:schemeClr val="bg1"/>
+              </a:solidFill>
+              <a:cs typeface="+mn-ea"/>
+              <a:sym typeface="+mn-lt"/>
+            </a:endParaRPr>
           </a:p>
         </p:txBody>
       </p:sp>
@@ -5286,7 +5280,7 @@
           <p:cNvPr id="6" name="文本框 5">
             <a:extLst>
               <a:ext uri="{FF2B5EF4-FFF2-40B4-BE49-F238E27FC236}">
-                <a16:creationId xmlns:a16="http://schemas.microsoft.com/office/drawing/2014/main" id="{26F298A9-D6D0-4A9D-AEB0-8F6F5F99535B}"/>
+                <a16:creationId xmlns:a16="http://schemas.microsoft.com/office/drawing/2014/main" id="{AD9E070D-1C30-4E50-ABFC-7F2AB9834799}"/>
               </a:ext>
             </a:extLst>
           </p:cNvPr>
@@ -5295,8 +5289,8 @@
         </p:nvSpPr>
         <p:spPr>
           <a:xfrm>
-            <a:off x="1540886" y="1912559"/>
-            <a:ext cx="9110186" cy="461665"/>
+            <a:off x="7440940" y="3697193"/>
+            <a:ext cx="4185761" cy="1569660"/>
           </a:xfrm>
           <a:prstGeom prst="rect">
             <a:avLst/>
@@ -5314,16 +5308,102 @@
                 <a:solidFill>
                   <a:schemeClr val="bg1"/>
                 </a:solidFill>
+                <a:cs typeface="+mn-ea"/>
+                <a:sym typeface="+mn-lt"/>
               </a:rPr>
-              <a:t>尤其是对于计算机专业词汇，学术论文，能提供更好更精准的翻译</a:t>
-            </a:r>
+              <a:t>前端开发，</a:t>
+            </a:r>
+            <a:r>
+              <a:rPr lang="en-US" altLang="zh-CN" sz="2400" dirty="0">
+                <a:solidFill>
+                  <a:schemeClr val="bg1"/>
+                </a:solidFill>
+                <a:cs typeface="+mn-ea"/>
+                <a:sym typeface="+mn-lt"/>
+              </a:rPr>
+              <a:t>UI</a:t>
+            </a:r>
+            <a:r>
+              <a:rPr lang="zh-CN" altLang="en-US" sz="2400" dirty="0">
+                <a:solidFill>
+                  <a:schemeClr val="bg1"/>
+                </a:solidFill>
+                <a:cs typeface="+mn-ea"/>
+                <a:sym typeface="+mn-lt"/>
+              </a:rPr>
+              <a:t>界面开发，</a:t>
+            </a:r>
+            <a:endParaRPr lang="en-US" altLang="zh-CN" sz="2400" dirty="0">
+              <a:solidFill>
+                <a:schemeClr val="bg1"/>
+              </a:solidFill>
+              <a:cs typeface="+mn-ea"/>
+              <a:sym typeface="+mn-lt"/>
+            </a:endParaRPr>
+          </a:p>
+          <a:p>
+            <a:r>
+              <a:rPr lang="zh-CN" altLang="en-US" sz="2400" dirty="0">
+                <a:solidFill>
+                  <a:schemeClr val="bg1"/>
+                </a:solidFill>
+                <a:cs typeface="+mn-ea"/>
+                <a:sym typeface="+mn-lt"/>
+              </a:rPr>
+              <a:t>个人独立游戏开发</a:t>
+            </a:r>
+            <a:endParaRPr lang="en-US" altLang="zh-CN" sz="2400" dirty="0">
+              <a:solidFill>
+                <a:schemeClr val="bg1"/>
+              </a:solidFill>
+              <a:cs typeface="+mn-ea"/>
+              <a:sym typeface="+mn-lt"/>
+            </a:endParaRPr>
+          </a:p>
+          <a:p>
+            <a:r>
+              <a:rPr lang="zh-CN" altLang="en-US" sz="2400" dirty="0">
+                <a:solidFill>
+                  <a:schemeClr val="bg1"/>
+                </a:solidFill>
+                <a:cs typeface="+mn-ea"/>
+                <a:sym typeface="+mn-lt"/>
+              </a:rPr>
+              <a:t>都经常需要进行图像处理，</a:t>
+            </a:r>
+            <a:endParaRPr lang="en-US" altLang="zh-CN" sz="2400" dirty="0">
+              <a:solidFill>
+                <a:schemeClr val="bg1"/>
+              </a:solidFill>
+              <a:cs typeface="+mn-ea"/>
+              <a:sym typeface="+mn-lt"/>
+            </a:endParaRPr>
+          </a:p>
+          <a:p>
+            <a:r>
+              <a:rPr lang="zh-CN" altLang="en-US" sz="2400" dirty="0">
+                <a:solidFill>
+                  <a:schemeClr val="bg1"/>
+                </a:solidFill>
+                <a:cs typeface="+mn-ea"/>
+                <a:sym typeface="+mn-lt"/>
+              </a:rPr>
+              <a:t>掌握一些简单的抠图技术即可</a:t>
+            </a:r>
+            <a:endParaRPr lang="en-US" altLang="zh-CN" sz="2400" dirty="0">
+              <a:solidFill>
+                <a:schemeClr val="bg1"/>
+              </a:solidFill>
+              <a:cs typeface="+mn-ea"/>
+              <a:sym typeface="+mn-lt"/>
+            </a:endParaRPr>
           </a:p>
         </p:txBody>
       </p:sp>
     </p:spTree>
     <p:extLst>
       <p:ext uri="{BB962C8B-B14F-4D97-AF65-F5344CB8AC3E}">
-        <p14:creationId xmlns:p14="http://schemas.microsoft.com/office/powerpoint/2010/main" val="3414151784"/>
+        <p14:creationId xmlns:p14="http://schemas.microsoft.com/office/powerpoint/2010/main" val="2394418082"/>
       </p:ext>
     </p:extLst>
   </p:cSld>
@@ -5333,7 +5413,7 @@
 </p:sld>
 </file>
 
-<file path=ppt/slides/slide9.xml><?xml version="1.0" encoding="utf-8"?>
+<file path=ppt/slides/slide8.xml><?xml version="1.0" encoding="utf-8"?>
 <p:sld xmlns:a="http://schemas.openxmlformats.org/drawingml/2006/main" xmlns:r="http://schemas.openxmlformats.org/officeDocument/2006/relationships" xmlns:p="http://schemas.openxmlformats.org/presentationml/2006/main">
   <p:cSld>
     <p:bg>
@@ -5363,7 +5443,7 @@
           <p:cNvPr id="2" name="图片 1">
             <a:extLst>
               <a:ext uri="{FF2B5EF4-FFF2-40B4-BE49-F238E27FC236}">
-                <a16:creationId xmlns:a16="http://schemas.microsoft.com/office/drawing/2014/main" id="{7C3256FD-5B1E-417C-AE12-81C6EC2090AF}"/>
+                <a16:creationId xmlns:a16="http://schemas.microsoft.com/office/drawing/2014/main" id="{36ECCA99-6D31-4CAD-A066-B38006F84C38}"/>
               </a:ext>
             </a:extLst>
           </p:cNvPr>
@@ -5374,7 +5454,7 @@
         </p:nvPicPr>
         <p:blipFill rotWithShape="1">
           <a:blip r:embed="rId2"/>
-          <a:srcRect l="9818" r="17924"/>
+          <a:srcRect r="8098" b="1"/>
           <a:stretch/>
         </p:blipFill>
         <p:spPr>
@@ -5537,7 +5617,7 @@
           <p:cNvPr id="3" name="文本框 2">
             <a:extLst>
               <a:ext uri="{FF2B5EF4-FFF2-40B4-BE49-F238E27FC236}">
-                <a16:creationId xmlns:a16="http://schemas.microsoft.com/office/drawing/2014/main" id="{887BEA4B-4BEF-4F95-B8A9-5CFC3C689142}"/>
+                <a16:creationId xmlns:a16="http://schemas.microsoft.com/office/drawing/2014/main" id="{B439D460-DFDA-4FE0-8434-FAE1A94800E6}"/>
               </a:ext>
             </a:extLst>
           </p:cNvPr>
@@ -5546,8 +5626,8 @@
         </p:nvSpPr>
         <p:spPr>
           <a:xfrm>
-            <a:off x="8883942" y="2625754"/>
-            <a:ext cx="2431050" cy="707886"/>
+            <a:off x="7994708" y="2721114"/>
+            <a:ext cx="4119589" cy="707886"/>
           </a:xfrm>
           <a:prstGeom prst="rect">
             <a:avLst/>
@@ -5565,17 +5645,17 @@
                 <a:solidFill>
                   <a:schemeClr val="bg1"/>
                 </a:solidFill>
-                <a:latin typeface="+mj-ea"/>
-                <a:ea typeface="+mj-ea"/>
+                <a:cs typeface="+mn-ea"/>
+                <a:sym typeface="+mn-lt"/>
               </a:rPr>
-              <a:t>OneNote</a:t>
+              <a:t>GitHub Desktop</a:t>
             </a:r>
             <a:endParaRPr lang="zh-CN" altLang="en-US" sz="4000" dirty="0">
               <a:solidFill>
                 <a:schemeClr val="bg1"/>
               </a:solidFill>
-              <a:latin typeface="+mj-ea"/>
-              <a:ea typeface="+mj-ea"/>
+              <a:cs typeface="+mn-ea"/>
+              <a:sym typeface="+mn-lt"/>
             </a:endParaRPr>
           </a:p>
         </p:txBody>
@@ -5585,7 +5665,7 @@
           <p:cNvPr id="4" name="文本框 3">
             <a:extLst>
               <a:ext uri="{FF2B5EF4-FFF2-40B4-BE49-F238E27FC236}">
-                <a16:creationId xmlns:a16="http://schemas.microsoft.com/office/drawing/2014/main" id="{71D4B2D2-ECC9-47DB-A698-0022644A8286}"/>
+                <a16:creationId xmlns:a16="http://schemas.microsoft.com/office/drawing/2014/main" id="{1A73A2EF-9429-4B72-BBBF-D90E8663613C}"/>
               </a:ext>
             </a:extLst>
           </p:cNvPr>
@@ -5594,8 +5674,8 @@
         </p:nvSpPr>
         <p:spPr>
           <a:xfrm>
-            <a:off x="8751041" y="3708322"/>
-            <a:ext cx="3262432" cy="1015663"/>
+            <a:off x="8817003" y="3594957"/>
+            <a:ext cx="2954655" cy="923330"/>
           </a:xfrm>
           <a:prstGeom prst="rect">
             <a:avLst/>
@@ -5609,72 +5689,82 @@
           <a:lstStyle/>
           <a:p>
             <a:r>
-              <a:rPr lang="zh-CN" altLang="en-US" sz="2000" dirty="0">
+              <a:rPr lang="en-US" altLang="zh-CN" dirty="0" err="1">
                 <a:solidFill>
                   <a:schemeClr val="bg1"/>
                 </a:solidFill>
-                <a:latin typeface="+mj-ea"/>
-                <a:ea typeface="+mj-ea"/>
+                <a:cs typeface="+mn-ea"/>
+                <a:sym typeface="+mn-lt"/>
               </a:rPr>
-              <a:t>微软</a:t>
-            </a:r>
-            <a:r>
-              <a:rPr lang="en-US" altLang="zh-CN" sz="2000" dirty="0">
+              <a:t>github</a:t>
+            </a:r>
+            <a:r>
+              <a:rPr lang="zh-CN" altLang="en-US" dirty="0">
                 <a:solidFill>
                   <a:schemeClr val="bg1"/>
                 </a:solidFill>
-                <a:latin typeface="+mj-ea"/>
-                <a:ea typeface="+mj-ea"/>
+                <a:cs typeface="+mn-ea"/>
+                <a:sym typeface="+mn-lt"/>
               </a:rPr>
-              <a:t>Office</a:t>
-            </a:r>
-            <a:r>
-              <a:rPr lang="zh-CN" altLang="en-US" sz="2000" dirty="0">
+              <a:t>的桌面端，</a:t>
+            </a:r>
+            <a:endParaRPr lang="en-US" altLang="zh-CN" dirty="0">
+              <a:solidFill>
+                <a:schemeClr val="bg1"/>
+              </a:solidFill>
+              <a:cs typeface="+mn-ea"/>
+              <a:sym typeface="+mn-lt"/>
+            </a:endParaRPr>
+          </a:p>
+          <a:p>
+            <a:r>
+              <a:rPr lang="zh-CN" altLang="en-US" dirty="0">
                 <a:solidFill>
                   <a:schemeClr val="bg1"/>
                 </a:solidFill>
-                <a:latin typeface="+mj-ea"/>
-                <a:ea typeface="+mj-ea"/>
+                <a:cs typeface="+mn-ea"/>
+                <a:sym typeface="+mn-lt"/>
               </a:rPr>
-              <a:t>之一，</a:t>
-            </a:r>
-            <a:endParaRPr lang="en-US" altLang="zh-CN" sz="2000" dirty="0">
+              <a:t>方便管理本地项目的同步，</a:t>
+            </a:r>
+            <a:endParaRPr lang="en-US" altLang="zh-CN" dirty="0">
               <a:solidFill>
                 <a:schemeClr val="bg1"/>
               </a:solidFill>
-              <a:latin typeface="+mj-ea"/>
-              <a:ea typeface="+mj-ea"/>
+              <a:cs typeface="+mn-ea"/>
+              <a:sym typeface="+mn-lt"/>
             </a:endParaRPr>
           </a:p>
           <a:p>
             <a:r>
-              <a:rPr lang="zh-CN" altLang="en-US" sz="2000" dirty="0">
+              <a:rPr lang="zh-CN" altLang="en-US" dirty="0">
                 <a:solidFill>
                   <a:schemeClr val="bg1"/>
                 </a:solidFill>
-                <a:latin typeface="+mj-ea"/>
-                <a:ea typeface="+mj-ea"/>
+                <a:cs typeface="+mn-ea"/>
+                <a:sym typeface="+mn-lt"/>
               </a:rPr>
-              <a:t>功能强大的笔记软件，</a:t>
-            </a:r>
-            <a:endParaRPr lang="en-US" altLang="zh-CN" sz="2000" dirty="0">
-              <a:solidFill>
-                <a:schemeClr val="bg1"/>
-              </a:solidFill>
-              <a:latin typeface="+mj-ea"/>
-              <a:ea typeface="+mj-ea"/>
-            </a:endParaRPr>
-          </a:p>
-          <a:p>
-            <a:r>
-              <a:rPr lang="zh-CN" altLang="en-US" sz="2000" dirty="0">
+              <a:t>拉取等一系列</a:t>
+            </a:r>
+            <a:r>
+              <a:rPr lang="en-US" altLang="zh-CN" dirty="0">
                 <a:solidFill>
                   <a:schemeClr val="bg1"/>
                 </a:solidFill>
-                <a:latin typeface="+mj-ea"/>
-                <a:ea typeface="+mj-ea"/>
+                <a:cs typeface="+mn-ea"/>
+                <a:sym typeface="+mn-lt"/>
               </a:rPr>
-              <a:t>可自动同步笔记到微软账户</a:t>
+              <a:t>git</a:t>
+            </a:r>
+            <a:r>
+              <a:rPr lang="zh-CN" altLang="en-US" dirty="0">
+                <a:solidFill>
+                  <a:schemeClr val="bg1"/>
+                </a:solidFill>
+                <a:cs typeface="+mn-ea"/>
+                <a:sym typeface="+mn-lt"/>
+              </a:rPr>
+              <a:t>操作</a:t>
             </a:r>
           </a:p>
         </p:txBody>
@@ -5682,7 +5772,184 @@
     </p:spTree>
     <p:extLst>
       <p:ext uri="{BB962C8B-B14F-4D97-AF65-F5344CB8AC3E}">
-        <p14:creationId xmlns:p14="http://schemas.microsoft.com/office/powerpoint/2010/main" val="4183398326"/>
+        <p14:creationId xmlns:p14="http://schemas.microsoft.com/office/powerpoint/2010/main" val="810236465"/>
+      </p:ext>
+    </p:extLst>
+  </p:cSld>
+  <p:clrMapOvr>
+    <a:masterClrMapping/>
+  </p:clrMapOvr>
+</p:sld>
+</file>
+
+<file path=ppt/slides/slide9.xml><?xml version="1.0" encoding="utf-8"?>
+<p:sld xmlns:a="http://schemas.openxmlformats.org/drawingml/2006/main" xmlns:r="http://schemas.openxmlformats.org/officeDocument/2006/relationships" xmlns:p="http://schemas.openxmlformats.org/presentationml/2006/main">
+  <p:cSld>
+    <p:spTree>
+      <p:nvGrpSpPr>
+        <p:cNvPr id="1" name=""/>
+        <p:cNvGrpSpPr/>
+        <p:nvPr/>
+      </p:nvGrpSpPr>
+      <p:grpSpPr>
+        <a:xfrm>
+          <a:off x="0" y="0"/>
+          <a:ext cx="0" cy="0"/>
+          <a:chOff x="0" y="0"/>
+          <a:chExt cx="0" cy="0"/>
+        </a:xfrm>
+      </p:grpSpPr>
+      <p:pic>
+        <p:nvPicPr>
+          <p:cNvPr id="5" name="图片 4">
+            <a:extLst>
+              <a:ext uri="{FF2B5EF4-FFF2-40B4-BE49-F238E27FC236}">
+                <a16:creationId xmlns:a16="http://schemas.microsoft.com/office/drawing/2014/main" id="{FFBC54D9-EE7D-4F07-8427-DCC6BB637B01}"/>
+              </a:ext>
+            </a:extLst>
+          </p:cNvPr>
+          <p:cNvPicPr>
+            <a:picLocks noChangeAspect="1"/>
+          </p:cNvPicPr>
+          <p:nvPr/>
+        </p:nvPicPr>
+        <p:blipFill rotWithShape="1">
+          <a:blip r:embed="rId2">
+            <a:extLst>
+              <a:ext uri="{28A0092B-C50C-407E-A947-70E740481C1C}">
+                <a14:useLocalDpi xmlns:a14="http://schemas.microsoft.com/office/drawing/2010/main" val="0"/>
+              </a:ext>
+            </a:extLst>
+          </a:blip>
+          <a:srcRect l="1084" r="26027"/>
+          <a:stretch/>
+        </p:blipFill>
+        <p:spPr>
+          <a:xfrm>
+            <a:off x="20" y="10"/>
+            <a:ext cx="12191980" cy="6857990"/>
+          </a:xfrm>
+          <a:prstGeom prst="rect">
+            <a:avLst/>
+          </a:prstGeom>
+        </p:spPr>
+      </p:pic>
+      <p:pic>
+        <p:nvPicPr>
+          <p:cNvPr id="3" name="图片 2">
+            <a:extLst>
+              <a:ext uri="{FF2B5EF4-FFF2-40B4-BE49-F238E27FC236}">
+                <a16:creationId xmlns:a16="http://schemas.microsoft.com/office/drawing/2014/main" id="{73DF04AC-D657-4775-A838-562642994ED3}"/>
+              </a:ext>
+            </a:extLst>
+          </p:cNvPr>
+          <p:cNvPicPr>
+            <a:picLocks noChangeAspect="1"/>
+          </p:cNvPicPr>
+          <p:nvPr/>
+        </p:nvPicPr>
+        <p:blipFill>
+          <a:blip r:embed="rId3"/>
+          <a:stretch>
+            <a:fillRect/>
+          </a:stretch>
+        </p:blipFill>
+        <p:spPr>
+          <a:xfrm>
+            <a:off x="-20" y="2791030"/>
+            <a:ext cx="12192000" cy="4066960"/>
+          </a:xfrm>
+          <a:prstGeom prst="rect">
+            <a:avLst/>
+          </a:prstGeom>
+        </p:spPr>
+      </p:pic>
+      <p:sp>
+        <p:nvSpPr>
+          <p:cNvPr id="4" name="文本框 3">
+            <a:extLst>
+              <a:ext uri="{FF2B5EF4-FFF2-40B4-BE49-F238E27FC236}">
+                <a16:creationId xmlns:a16="http://schemas.microsoft.com/office/drawing/2014/main" id="{35C3B228-2E1A-4B15-BECA-68F0C0B15647}"/>
+              </a:ext>
+            </a:extLst>
+          </p:cNvPr>
+          <p:cNvSpPr txBox="1"/>
+          <p:nvPr/>
+        </p:nvSpPr>
+        <p:spPr>
+          <a:xfrm>
+            <a:off x="4977724" y="787867"/>
+            <a:ext cx="2236510" cy="707886"/>
+          </a:xfrm>
+          <a:prstGeom prst="rect">
+            <a:avLst/>
+          </a:prstGeom>
+          <a:noFill/>
+        </p:spPr>
+        <p:txBody>
+          <a:bodyPr wrap="none" rtlCol="0">
+            <a:spAutoFit/>
+          </a:bodyPr>
+          <a:lstStyle/>
+          <a:p>
+            <a:r>
+              <a:rPr lang="zh-CN" altLang="en-US" sz="4000" dirty="0">
+                <a:solidFill>
+                  <a:schemeClr val="bg1"/>
+                </a:solidFill>
+                <a:cs typeface="+mn-ea"/>
+                <a:sym typeface="+mn-lt"/>
+              </a:rPr>
+              <a:t>谷歌翻译</a:t>
+            </a:r>
+          </a:p>
+        </p:txBody>
+      </p:sp>
+      <p:sp>
+        <p:nvSpPr>
+          <p:cNvPr id="6" name="文本框 5">
+            <a:extLst>
+              <a:ext uri="{FF2B5EF4-FFF2-40B4-BE49-F238E27FC236}">
+                <a16:creationId xmlns:a16="http://schemas.microsoft.com/office/drawing/2014/main" id="{26F298A9-D6D0-4A9D-AEB0-8F6F5F99535B}"/>
+              </a:ext>
+            </a:extLst>
+          </p:cNvPr>
+          <p:cNvSpPr txBox="1"/>
+          <p:nvPr/>
+        </p:nvSpPr>
+        <p:spPr>
+          <a:xfrm>
+            <a:off x="1540886" y="1912559"/>
+            <a:ext cx="9110186" cy="461665"/>
+          </a:xfrm>
+          <a:prstGeom prst="rect">
+            <a:avLst/>
+          </a:prstGeom>
+          <a:noFill/>
+        </p:spPr>
+        <p:txBody>
+          <a:bodyPr wrap="none" rtlCol="0">
+            <a:spAutoFit/>
+          </a:bodyPr>
+          <a:lstStyle/>
+          <a:p>
+            <a:r>
+              <a:rPr lang="zh-CN" altLang="en-US" sz="2400" dirty="0">
+                <a:solidFill>
+                  <a:schemeClr val="bg1"/>
+                </a:solidFill>
+                <a:cs typeface="+mn-ea"/>
+                <a:sym typeface="+mn-lt"/>
+              </a:rPr>
+              <a:t>尤其是对于计算机专业词汇，学术论文，能提供更好更精准的翻译</a:t>
+            </a:r>
+          </a:p>
+        </p:txBody>
+      </p:sp>
+    </p:spTree>
+    <p:extLst>
+      <p:ext uri="{BB962C8B-B14F-4D97-AF65-F5344CB8AC3E}">
+        <p14:creationId xmlns:p14="http://schemas.microsoft.com/office/powerpoint/2010/main" val="3414151784"/>
       </p:ext>
     </p:extLst>
   </p:cSld>
@@ -5735,12 +6002,12 @@
     </a:clrScheme>
     <a:fontScheme name="Temp">
       <a:majorFont>
-        <a:latin typeface="Arial" panose="020F0302020204030204"/>
+        <a:latin typeface="微软雅黑" panose="020F0302020204030204"/>
         <a:ea typeface="微软雅黑"/>
         <a:cs typeface=""/>
       </a:majorFont>
       <a:minorFont>
-        <a:latin typeface="Arial" panose="020F0502020204030204"/>
+        <a:latin typeface="微软雅黑" panose="020F0502020204030204"/>
         <a:ea typeface="微软雅黑"/>
         <a:cs typeface=""/>
       </a:minorFont>

--- a/doc/教学课件/拓展知识/项目开发常用软件.pptx
+++ b/doc/教学课件/拓展知识/项目开发常用软件.pptx
@@ -349,6 +349,18 @@
   <p:clrMapOvr>
     <a:masterClrMapping/>
   </p:clrMapOvr>
+  <mc:AlternateContent xmlns:mc="http://schemas.openxmlformats.org/markup-compatibility/2006" xmlns:p14="http://schemas.microsoft.com/office/powerpoint/2010/main">
+    <mc:Choice Requires="p14">
+      <p:transition spd="med" p14:dur="700">
+        <p:fade/>
+      </p:transition>
+    </mc:Choice>
+    <mc:Fallback xmlns="">
+      <p:transition spd="med">
+        <p:fade/>
+      </p:transition>
+    </mc:Fallback>
+  </mc:AlternateContent>
 </p:sldLayout>
 </file>
 
@@ -547,6 +559,18 @@
   <p:clrMapOvr>
     <a:masterClrMapping/>
   </p:clrMapOvr>
+  <mc:AlternateContent xmlns:mc="http://schemas.openxmlformats.org/markup-compatibility/2006" xmlns:p14="http://schemas.microsoft.com/office/powerpoint/2010/main">
+    <mc:Choice Requires="p14">
+      <p:transition spd="med" p14:dur="700">
+        <p:fade/>
+      </p:transition>
+    </mc:Choice>
+    <mc:Fallback xmlns="">
+      <p:transition spd="med">
+        <p:fade/>
+      </p:transition>
+    </mc:Fallback>
+  </mc:AlternateContent>
 </p:sldLayout>
 </file>
 
@@ -755,6 +779,18 @@
   <p:clrMapOvr>
     <a:masterClrMapping/>
   </p:clrMapOvr>
+  <mc:AlternateContent xmlns:mc="http://schemas.openxmlformats.org/markup-compatibility/2006" xmlns:p14="http://schemas.microsoft.com/office/powerpoint/2010/main">
+    <mc:Choice Requires="p14">
+      <p:transition spd="med" p14:dur="700">
+        <p:fade/>
+      </p:transition>
+    </mc:Choice>
+    <mc:Fallback xmlns="">
+      <p:transition spd="med">
+        <p:fade/>
+      </p:transition>
+    </mc:Fallback>
+  </mc:AlternateContent>
 </p:sldLayout>
 </file>
 
@@ -953,6 +989,18 @@
   <p:clrMapOvr>
     <a:masterClrMapping/>
   </p:clrMapOvr>
+  <mc:AlternateContent xmlns:mc="http://schemas.openxmlformats.org/markup-compatibility/2006" xmlns:p14="http://schemas.microsoft.com/office/powerpoint/2010/main">
+    <mc:Choice Requires="p14">
+      <p:transition spd="med" p14:dur="700">
+        <p:fade/>
+      </p:transition>
+    </mc:Choice>
+    <mc:Fallback xmlns="">
+      <p:transition spd="med">
+        <p:fade/>
+      </p:transition>
+    </mc:Fallback>
+  </mc:AlternateContent>
 </p:sldLayout>
 </file>
 
@@ -1228,6 +1276,18 @@
   <p:clrMapOvr>
     <a:masterClrMapping/>
   </p:clrMapOvr>
+  <mc:AlternateContent xmlns:mc="http://schemas.openxmlformats.org/markup-compatibility/2006" xmlns:p14="http://schemas.microsoft.com/office/powerpoint/2010/main">
+    <mc:Choice Requires="p14">
+      <p:transition spd="med" p14:dur="700">
+        <p:fade/>
+      </p:transition>
+    </mc:Choice>
+    <mc:Fallback xmlns="">
+      <p:transition spd="med">
+        <p:fade/>
+      </p:transition>
+    </mc:Fallback>
+  </mc:AlternateContent>
 </p:sldLayout>
 </file>
 
@@ -1493,6 +1553,18 @@
   <p:clrMapOvr>
     <a:masterClrMapping/>
   </p:clrMapOvr>
+  <mc:AlternateContent xmlns:mc="http://schemas.openxmlformats.org/markup-compatibility/2006" xmlns:p14="http://schemas.microsoft.com/office/powerpoint/2010/main">
+    <mc:Choice Requires="p14">
+      <p:transition spd="med" p14:dur="700">
+        <p:fade/>
+      </p:transition>
+    </mc:Choice>
+    <mc:Fallback xmlns="">
+      <p:transition spd="med">
+        <p:fade/>
+      </p:transition>
+    </mc:Fallback>
+  </mc:AlternateContent>
 </p:sldLayout>
 </file>
 
@@ -1905,6 +1977,18 @@
   <p:clrMapOvr>
     <a:masterClrMapping/>
   </p:clrMapOvr>
+  <mc:AlternateContent xmlns:mc="http://schemas.openxmlformats.org/markup-compatibility/2006" xmlns:p14="http://schemas.microsoft.com/office/powerpoint/2010/main">
+    <mc:Choice Requires="p14">
+      <p:transition spd="med" p14:dur="700">
+        <p:fade/>
+      </p:transition>
+    </mc:Choice>
+    <mc:Fallback xmlns="">
+      <p:transition spd="med">
+        <p:fade/>
+      </p:transition>
+    </mc:Fallback>
+  </mc:AlternateContent>
 </p:sldLayout>
 </file>
 
@@ -2046,6 +2130,18 @@
   <p:clrMapOvr>
     <a:masterClrMapping/>
   </p:clrMapOvr>
+  <mc:AlternateContent xmlns:mc="http://schemas.openxmlformats.org/markup-compatibility/2006" xmlns:p14="http://schemas.microsoft.com/office/powerpoint/2010/main">
+    <mc:Choice Requires="p14">
+      <p:transition spd="med" p14:dur="700">
+        <p:fade/>
+      </p:transition>
+    </mc:Choice>
+    <mc:Fallback xmlns="">
+      <p:transition spd="med">
+        <p:fade/>
+      </p:transition>
+    </mc:Fallback>
+  </mc:AlternateContent>
 </p:sldLayout>
 </file>
 
@@ -2159,6 +2255,18 @@
   <p:clrMapOvr>
     <a:masterClrMapping/>
   </p:clrMapOvr>
+  <mc:AlternateContent xmlns:mc="http://schemas.openxmlformats.org/markup-compatibility/2006" xmlns:p14="http://schemas.microsoft.com/office/powerpoint/2010/main">
+    <mc:Choice Requires="p14">
+      <p:transition spd="med" p14:dur="700">
+        <p:fade/>
+      </p:transition>
+    </mc:Choice>
+    <mc:Fallback xmlns="">
+      <p:transition spd="med">
+        <p:fade/>
+      </p:transition>
+    </mc:Fallback>
+  </mc:AlternateContent>
 </p:sldLayout>
 </file>
 
@@ -2470,6 +2578,18 @@
   <p:clrMapOvr>
     <a:masterClrMapping/>
   </p:clrMapOvr>
+  <mc:AlternateContent xmlns:mc="http://schemas.openxmlformats.org/markup-compatibility/2006" xmlns:p14="http://schemas.microsoft.com/office/powerpoint/2010/main">
+    <mc:Choice Requires="p14">
+      <p:transition spd="med" p14:dur="700">
+        <p:fade/>
+      </p:transition>
+    </mc:Choice>
+    <mc:Fallback xmlns="">
+      <p:transition spd="med">
+        <p:fade/>
+      </p:transition>
+    </mc:Fallback>
+  </mc:AlternateContent>
 </p:sldLayout>
 </file>
 
@@ -2758,6 +2878,18 @@
   <p:clrMapOvr>
     <a:masterClrMapping/>
   </p:clrMapOvr>
+  <mc:AlternateContent xmlns:mc="http://schemas.openxmlformats.org/markup-compatibility/2006" xmlns:p14="http://schemas.microsoft.com/office/powerpoint/2010/main">
+    <mc:Choice Requires="p14">
+      <p:transition spd="med" p14:dur="700">
+        <p:fade/>
+      </p:transition>
+    </mc:Choice>
+    <mc:Fallback xmlns="">
+      <p:transition spd="med">
+        <p:fade/>
+      </p:transition>
+    </mc:Fallback>
+  </mc:AlternateContent>
 </p:sldLayout>
 </file>
 
@@ -3046,6 +3178,18 @@
     <p:sldLayoutId id="2147483658" r:id="rId10"/>
     <p:sldLayoutId id="2147483659" r:id="rId11"/>
   </p:sldLayoutIdLst>
+  <mc:AlternateContent xmlns:mc="http://schemas.openxmlformats.org/markup-compatibility/2006" xmlns:p14="http://schemas.microsoft.com/office/powerpoint/2010/main">
+    <mc:Choice Requires="p14">
+      <p:transition spd="med" p14:dur="700">
+        <p:fade/>
+      </p:transition>
+    </mc:Choice>
+    <mc:Fallback xmlns="">
+      <p:transition spd="med">
+        <p:fade/>
+      </p:transition>
+    </mc:Fallback>
+  </mc:AlternateContent>
   <p:txStyles>
     <p:titleStyle>
       <a:lvl1pPr algn="l" defTabSz="914400" rtl="0" eaLnBrk="1" latinLnBrk="0" hangingPunct="1">
@@ -3487,7 +3631,7 @@
         </p:nvSpPr>
         <p:spPr>
           <a:xfrm>
-            <a:off x="9589842" y="5988532"/>
+            <a:off x="10015599" y="5987081"/>
             <a:ext cx="1838965" cy="369332"/>
           </a:xfrm>
           <a:prstGeom prst="rect">
@@ -3579,7 +3723,7 @@
         </p:nvSpPr>
         <p:spPr>
           <a:xfrm>
-            <a:off x="10057919" y="5619200"/>
+            <a:off x="10977401" y="5617024"/>
             <a:ext cx="877163" cy="369332"/>
           </a:xfrm>
           <a:prstGeom prst="rect">
@@ -3616,6 +3760,18 @@
   <p:clrMapOvr>
     <a:masterClrMapping/>
   </p:clrMapOvr>
+  <mc:AlternateContent xmlns:mc="http://schemas.openxmlformats.org/markup-compatibility/2006" xmlns:p14="http://schemas.microsoft.com/office/powerpoint/2010/main">
+    <mc:Choice Requires="p14">
+      <p:transition spd="med" p14:dur="700">
+        <p:fade/>
+      </p:transition>
+    </mc:Choice>
+    <mc:Fallback xmlns="">
+      <p:transition spd="med">
+        <p:fade/>
+      </p:transition>
+    </mc:Fallback>
+  </mc:AlternateContent>
 </p:sld>
 </file>
 
@@ -3975,6 +4131,18 @@
   <p:clrMapOvr>
     <a:masterClrMapping/>
   </p:clrMapOvr>
+  <mc:AlternateContent xmlns:mc="http://schemas.openxmlformats.org/markup-compatibility/2006" xmlns:p14="http://schemas.microsoft.com/office/powerpoint/2010/main">
+    <mc:Choice Requires="p14">
+      <p:transition spd="med" p14:dur="700">
+        <p:fade/>
+      </p:transition>
+    </mc:Choice>
+    <mc:Fallback xmlns="">
+      <p:transition spd="med">
+        <p:fade/>
+      </p:transition>
+    </mc:Fallback>
+  </mc:AlternateContent>
 </p:sld>
 </file>
 
@@ -4081,6 +4249,18 @@
   <p:clrMapOvr>
     <a:masterClrMapping/>
   </p:clrMapOvr>
+  <mc:AlternateContent xmlns:mc="http://schemas.openxmlformats.org/markup-compatibility/2006" xmlns:p14="http://schemas.microsoft.com/office/powerpoint/2010/main">
+    <mc:Choice Requires="p14">
+      <p:transition spd="med" p14:dur="700">
+        <p:fade/>
+      </p:transition>
+    </mc:Choice>
+    <mc:Fallback xmlns="">
+      <p:transition spd="med">
+        <p:fade/>
+      </p:transition>
+    </mc:Fallback>
+  </mc:AlternateContent>
 </p:sld>
 </file>
 
@@ -4236,6 +4416,18 @@
   <p:clrMapOvr>
     <a:masterClrMapping/>
   </p:clrMapOvr>
+  <mc:AlternateContent xmlns:mc="http://schemas.openxmlformats.org/markup-compatibility/2006" xmlns:p14="http://schemas.microsoft.com/office/powerpoint/2010/main">
+    <mc:Choice Requires="p14">
+      <p:transition spd="med" p14:dur="700">
+        <p:fade/>
+      </p:transition>
+    </mc:Choice>
+    <mc:Fallback xmlns="">
+      <p:transition spd="med">
+        <p:fade/>
+      </p:transition>
+    </mc:Fallback>
+  </mc:AlternateContent>
 </p:sld>
 </file>
 
@@ -4586,6 +4778,18 @@
   <p:clrMapOvr>
     <a:masterClrMapping/>
   </p:clrMapOvr>
+  <mc:AlternateContent xmlns:mc="http://schemas.openxmlformats.org/markup-compatibility/2006" xmlns:p14="http://schemas.microsoft.com/office/powerpoint/2010/main">
+    <mc:Choice Requires="p14">
+      <p:transition spd="med" p14:dur="700">
+        <p:fade/>
+      </p:transition>
+    </mc:Choice>
+    <mc:Fallback xmlns="">
+      <p:transition spd="med">
+        <p:fade/>
+      </p:transition>
+    </mc:Fallback>
+  </mc:AlternateContent>
 </p:sld>
 </file>
 
@@ -4834,6 +5038,18 @@
   <p:clrMapOvr>
     <a:masterClrMapping/>
   </p:clrMapOvr>
+  <mc:AlternateContent xmlns:mc="http://schemas.openxmlformats.org/markup-compatibility/2006" xmlns:p14="http://schemas.microsoft.com/office/powerpoint/2010/main">
+    <mc:Choice Requires="p14">
+      <p:transition spd="med" p14:dur="700">
+        <p:fade/>
+      </p:transition>
+    </mc:Choice>
+    <mc:Fallback xmlns="">
+      <p:transition spd="med">
+        <p:fade/>
+      </p:transition>
+    </mc:Fallback>
+  </mc:AlternateContent>
 </p:sld>
 </file>
 
@@ -5135,6 +5351,18 @@
   <p:clrMapOvr>
     <a:masterClrMapping/>
   </p:clrMapOvr>
+  <mc:AlternateContent xmlns:mc="http://schemas.openxmlformats.org/markup-compatibility/2006" xmlns:p14="http://schemas.microsoft.com/office/powerpoint/2010/main">
+    <mc:Choice Requires="p14">
+      <p:transition spd="med" p14:dur="700">
+        <p:fade/>
+      </p:transition>
+    </mc:Choice>
+    <mc:Fallback xmlns="">
+      <p:transition spd="med">
+        <p:fade/>
+      </p:transition>
+    </mc:Fallback>
+  </mc:AlternateContent>
 </p:sld>
 </file>
 
@@ -5410,6 +5638,18 @@
   <p:clrMapOvr>
     <a:masterClrMapping/>
   </p:clrMapOvr>
+  <mc:AlternateContent xmlns:mc="http://schemas.openxmlformats.org/markup-compatibility/2006" xmlns:p14="http://schemas.microsoft.com/office/powerpoint/2010/main">
+    <mc:Choice Requires="p14">
+      <p:transition spd="med" p14:dur="700">
+        <p:fade/>
+      </p:transition>
+    </mc:Choice>
+    <mc:Fallback xmlns="">
+      <p:transition spd="med">
+        <p:fade/>
+      </p:transition>
+    </mc:Fallback>
+  </mc:AlternateContent>
 </p:sld>
 </file>
 
@@ -5779,6 +6019,18 @@
   <p:clrMapOvr>
     <a:masterClrMapping/>
   </p:clrMapOvr>
+  <mc:AlternateContent xmlns:mc="http://schemas.openxmlformats.org/markup-compatibility/2006" xmlns:p14="http://schemas.microsoft.com/office/powerpoint/2010/main">
+    <mc:Choice Requires="p14">
+      <p:transition spd="med" p14:dur="700">
+        <p:fade/>
+      </p:transition>
+    </mc:Choice>
+    <mc:Fallback xmlns="">
+      <p:transition spd="med">
+        <p:fade/>
+      </p:transition>
+    </mc:Fallback>
+  </mc:AlternateContent>
 </p:sld>
 </file>
 
@@ -5956,6 +6208,18 @@
   <p:clrMapOvr>
     <a:masterClrMapping/>
   </p:clrMapOvr>
+  <mc:AlternateContent xmlns:mc="http://schemas.openxmlformats.org/markup-compatibility/2006" xmlns:p14="http://schemas.microsoft.com/office/powerpoint/2010/main">
+    <mc:Choice Requires="p14">
+      <p:transition spd="med" p14:dur="700">
+        <p:fade/>
+      </p:transition>
+    </mc:Choice>
+    <mc:Fallback xmlns="">
+      <p:transition spd="med">
+        <p:fade/>
+      </p:transition>
+    </mc:Fallback>
+  </mc:AlternateContent>
 </p:sld>
 </file>
 
